--- a/img/VPC構成.pptx
+++ b/img/VPC構成.pptx
@@ -6,6 +6,7 @@
   </p:sldMasterIdLst>
   <p:sldIdLst>
     <p:sldId id="264" r:id="rId2"/>
+    <p:sldId id="265" r:id="rId3"/>
   </p:sldIdLst>
   <p:sldSz cx="9906000" cy="6858000" type="A4"/>
   <p:notesSz cx="6807200" cy="9939338"/>
@@ -3409,8 +3410,8 @@
         </p:nvSpPr>
         <p:spPr>
           <a:xfrm>
-            <a:off x="5242396" y="4815307"/>
-            <a:ext cx="2703970" cy="1198691"/>
+            <a:off x="5299591" y="4920627"/>
+            <a:ext cx="2703970" cy="1017621"/>
           </a:xfrm>
           <a:prstGeom prst="rect">
             <a:avLst/>
@@ -3451,10 +3452,8 @@
                 <a:latin typeface="Courier New" panose="02070309020205020404" pitchFamily="49" charset="0"/>
                 <a:cs typeface="Courier New" panose="02070309020205020404" pitchFamily="49" charset="0"/>
               </a:rPr>
-              <a:t>SECURITY GROUP sg-2a3bcd52</a:t>
-            </a:r>
-          </a:p>
-          <a:p>
+              <a:t>SECURITY GROUP </a:t>
+            </a:r>
             <a:r>
               <a:rPr lang="en-US" altLang="ja-JP" sz="1200" smtClean="0">
                 <a:solidFill>
@@ -3463,41 +3462,7 @@
                 <a:latin typeface="Courier New" panose="02070309020205020404" pitchFamily="49" charset="0"/>
                 <a:cs typeface="Courier New" panose="02070309020205020404" pitchFamily="49" charset="0"/>
               </a:rPr>
-              <a:t>inbound</a:t>
-            </a:r>
-          </a:p>
-          <a:p>
-            <a:r>
-              <a:rPr lang="en-US" altLang="ja-JP" sz="1200" smtClean="0">
-                <a:solidFill>
-                  <a:schemeClr val="tx1"/>
-                </a:solidFill>
-                <a:latin typeface="Courier New" panose="02070309020205020404" pitchFamily="49" charset="0"/>
-                <a:cs typeface="Courier New" panose="02070309020205020404" pitchFamily="49" charset="0"/>
-              </a:rPr>
-              <a:t>  </a:t>
-            </a:r>
-            <a:r>
-              <a:rPr lang="en-US" altLang="ja-JP" sz="1200" smtClean="0">
-                <a:solidFill>
-                  <a:schemeClr val="tx1"/>
-                </a:solidFill>
-                <a:latin typeface="Courier New" panose="02070309020205020404" pitchFamily="49" charset="0"/>
-                <a:cs typeface="Courier New" panose="02070309020205020404" pitchFamily="49" charset="0"/>
-              </a:rPr>
-              <a:t>22 160.190.0.0/16</a:t>
-            </a:r>
-          </a:p>
-          <a:p>
-            <a:r>
-              <a:rPr lang="en-US" altLang="ja-JP" sz="1200" smtClean="0">
-                <a:solidFill>
-                  <a:schemeClr val="tx1"/>
-                </a:solidFill>
-                <a:latin typeface="Courier New" panose="02070309020205020404" pitchFamily="49" charset="0"/>
-                <a:cs typeface="Courier New" panose="02070309020205020404" pitchFamily="49" charset="0"/>
-              </a:rPr>
-              <a:t>  22 106.180.8.0/24</a:t>
+              <a:t>(private)</a:t>
             </a:r>
             <a:endParaRPr lang="en-US" altLang="ja-JP" sz="1200">
               <a:solidFill>
@@ -3509,6 +3474,38 @@
           </a:p>
           <a:p>
             <a:r>
+              <a:rPr lang="en-US" altLang="ja-JP" sz="1200" smtClean="0">
+                <a:solidFill>
+                  <a:schemeClr val="tx1"/>
+                </a:solidFill>
+                <a:latin typeface="Courier New" panose="02070309020205020404" pitchFamily="49" charset="0"/>
+                <a:cs typeface="Courier New" panose="02070309020205020404" pitchFamily="49" charset="0"/>
+              </a:rPr>
+              <a:t>inbound</a:t>
+            </a:r>
+          </a:p>
+          <a:p>
+            <a:r>
+              <a:rPr lang="en-US" altLang="ja-JP" sz="1200" smtClean="0">
+                <a:solidFill>
+                  <a:schemeClr val="tx1"/>
+                </a:solidFill>
+                <a:latin typeface="Courier New" panose="02070309020205020404" pitchFamily="49" charset="0"/>
+                <a:cs typeface="Courier New" panose="02070309020205020404" pitchFamily="49" charset="0"/>
+              </a:rPr>
+              <a:t>  </a:t>
+            </a:r>
+            <a:r>
+              <a:rPr lang="en-US" altLang="ja-JP" sz="1200" smtClean="0">
+                <a:solidFill>
+                  <a:schemeClr val="tx1"/>
+                </a:solidFill>
+                <a:latin typeface="Courier New" panose="02070309020205020404" pitchFamily="49" charset="0"/>
+                <a:cs typeface="Courier New" panose="02070309020205020404" pitchFamily="49" charset="0"/>
+              </a:rPr>
+              <a:t>22 </a:t>
+            </a:r>
+            <a:r>
               <a:rPr lang="en-US" altLang="ja-JP" sz="1200">
                 <a:solidFill>
                   <a:schemeClr val="tx1"/>
@@ -3516,8 +3513,44 @@
                 <a:latin typeface="Courier New" panose="02070309020205020404" pitchFamily="49" charset="0"/>
                 <a:cs typeface="Courier New" panose="02070309020205020404" pitchFamily="49" charset="0"/>
               </a:rPr>
+              <a:t>&lt;</a:t>
+            </a:r>
+            <a:r>
+              <a:rPr lang="en-US" altLang="ja-JP" sz="1200" smtClean="0">
+                <a:solidFill>
+                  <a:schemeClr val="tx1"/>
+                </a:solidFill>
+                <a:latin typeface="Courier New" panose="02070309020205020404" pitchFamily="49" charset="0"/>
+                <a:cs typeface="Courier New" panose="02070309020205020404" pitchFamily="49" charset="0"/>
+              </a:rPr>
+              <a:t>public SG&gt;</a:t>
+            </a:r>
+            <a:endParaRPr lang="en-US" altLang="ja-JP" sz="1200">
+              <a:solidFill>
+                <a:schemeClr val="tx1"/>
+              </a:solidFill>
+              <a:latin typeface="Courier New" panose="02070309020205020404" pitchFamily="49" charset="0"/>
+              <a:cs typeface="Courier New" panose="02070309020205020404" pitchFamily="49" charset="0"/>
+            </a:endParaRPr>
+          </a:p>
+          <a:p>
+            <a:r>
+              <a:rPr lang="en-US" altLang="ja-JP" sz="1200" smtClean="0">
+                <a:solidFill>
+                  <a:schemeClr val="tx1"/>
+                </a:solidFill>
+                <a:latin typeface="Courier New" panose="02070309020205020404" pitchFamily="49" charset="0"/>
+                <a:cs typeface="Courier New" panose="02070309020205020404" pitchFamily="49" charset="0"/>
+              </a:rPr>
               <a:t>outbound</a:t>
             </a:r>
+            <a:endParaRPr lang="en-US" altLang="ja-JP" sz="1200">
+              <a:solidFill>
+                <a:schemeClr val="tx1"/>
+              </a:solidFill>
+              <a:latin typeface="Courier New" panose="02070309020205020404" pitchFamily="49" charset="0"/>
+              <a:cs typeface="Courier New" panose="02070309020205020404" pitchFamily="49" charset="0"/>
+            </a:endParaRPr>
           </a:p>
           <a:p>
             <a:r>
@@ -4579,10 +4612,2016 @@
           </a:p>
         </p:txBody>
       </p:sp>
+      <p:sp>
+        <p:nvSpPr>
+          <p:cNvPr id="24" name="正方形/長方形 23"/>
+          <p:cNvSpPr/>
+          <p:nvPr/>
+        </p:nvSpPr>
+        <p:spPr>
+          <a:xfrm>
+            <a:off x="5299591" y="2743164"/>
+            <a:ext cx="2703970" cy="1198691"/>
+          </a:xfrm>
+          <a:prstGeom prst="rect">
+            <a:avLst/>
+          </a:prstGeom>
+          <a:noFill/>
+          <a:ln w="9525">
+            <a:solidFill>
+              <a:schemeClr val="tx1"/>
+            </a:solidFill>
+            <a:prstDash val="dash"/>
+          </a:ln>
+        </p:spPr>
+        <p:style>
+          <a:lnRef idx="2">
+            <a:schemeClr val="accent1">
+              <a:shade val="50000"/>
+            </a:schemeClr>
+          </a:lnRef>
+          <a:fillRef idx="1">
+            <a:schemeClr val="accent1"/>
+          </a:fillRef>
+          <a:effectRef idx="0">
+            <a:schemeClr val="accent1"/>
+          </a:effectRef>
+          <a:fontRef idx="minor">
+            <a:schemeClr val="lt1"/>
+          </a:fontRef>
+        </p:style>
+        <p:txBody>
+          <a:bodyPr rtlCol="0" anchor="t" anchorCtr="0"/>
+          <a:lstStyle/>
+          <a:p>
+            <a:r>
+              <a:rPr lang="en-US" altLang="ja-JP" sz="1200">
+                <a:solidFill>
+                  <a:schemeClr val="tx1"/>
+                </a:solidFill>
+                <a:latin typeface="Courier New" panose="02070309020205020404" pitchFamily="49" charset="0"/>
+                <a:cs typeface="Courier New" panose="02070309020205020404" pitchFamily="49" charset="0"/>
+              </a:rPr>
+              <a:t>SECURITY GROUP </a:t>
+            </a:r>
+            <a:r>
+              <a:rPr lang="en-US" altLang="ja-JP" sz="1200" smtClean="0">
+                <a:solidFill>
+                  <a:schemeClr val="tx1"/>
+                </a:solidFill>
+                <a:latin typeface="Courier New" panose="02070309020205020404" pitchFamily="49" charset="0"/>
+                <a:cs typeface="Courier New" panose="02070309020205020404" pitchFamily="49" charset="0"/>
+              </a:rPr>
+              <a:t>(public)</a:t>
+            </a:r>
+          </a:p>
+          <a:p>
+            <a:r>
+              <a:rPr lang="en-US" altLang="ja-JP" sz="1200" smtClean="0">
+                <a:solidFill>
+                  <a:schemeClr val="tx1"/>
+                </a:solidFill>
+                <a:latin typeface="Courier New" panose="02070309020205020404" pitchFamily="49" charset="0"/>
+                <a:cs typeface="Courier New" panose="02070309020205020404" pitchFamily="49" charset="0"/>
+              </a:rPr>
+              <a:t>inbound</a:t>
+            </a:r>
+            <a:endParaRPr lang="en-US" altLang="ja-JP" sz="1200" smtClean="0">
+              <a:solidFill>
+                <a:schemeClr val="tx1"/>
+              </a:solidFill>
+              <a:latin typeface="Courier New" panose="02070309020205020404" pitchFamily="49" charset="0"/>
+              <a:cs typeface="Courier New" panose="02070309020205020404" pitchFamily="49" charset="0"/>
+            </a:endParaRPr>
+          </a:p>
+          <a:p>
+            <a:r>
+              <a:rPr lang="en-US" altLang="ja-JP" sz="1200" smtClean="0">
+                <a:solidFill>
+                  <a:schemeClr val="tx1"/>
+                </a:solidFill>
+                <a:latin typeface="Courier New" panose="02070309020205020404" pitchFamily="49" charset="0"/>
+                <a:cs typeface="Courier New" panose="02070309020205020404" pitchFamily="49" charset="0"/>
+              </a:rPr>
+              <a:t>  22 160.190.0.0/16</a:t>
+            </a:r>
+          </a:p>
+          <a:p>
+            <a:r>
+              <a:rPr lang="en-US" altLang="ja-JP" sz="1200" smtClean="0">
+                <a:solidFill>
+                  <a:schemeClr val="tx1"/>
+                </a:solidFill>
+                <a:latin typeface="Courier New" panose="02070309020205020404" pitchFamily="49" charset="0"/>
+                <a:cs typeface="Courier New" panose="02070309020205020404" pitchFamily="49" charset="0"/>
+              </a:rPr>
+              <a:t>  22 106.180.8.0/24</a:t>
+            </a:r>
+            <a:endParaRPr lang="en-US" altLang="ja-JP" sz="1200">
+              <a:solidFill>
+                <a:schemeClr val="tx1"/>
+              </a:solidFill>
+              <a:latin typeface="Courier New" panose="02070309020205020404" pitchFamily="49" charset="0"/>
+              <a:cs typeface="Courier New" panose="02070309020205020404" pitchFamily="49" charset="0"/>
+            </a:endParaRPr>
+          </a:p>
+          <a:p>
+            <a:r>
+              <a:rPr lang="en-US" altLang="ja-JP" sz="1200">
+                <a:solidFill>
+                  <a:schemeClr val="tx1"/>
+                </a:solidFill>
+                <a:latin typeface="Courier New" panose="02070309020205020404" pitchFamily="49" charset="0"/>
+                <a:cs typeface="Courier New" panose="02070309020205020404" pitchFamily="49" charset="0"/>
+              </a:rPr>
+              <a:t>outbound</a:t>
+            </a:r>
+          </a:p>
+          <a:p>
+            <a:r>
+              <a:rPr lang="en-US" altLang="ja-JP" sz="1200">
+                <a:solidFill>
+                  <a:schemeClr val="tx1"/>
+                </a:solidFill>
+                <a:latin typeface="Courier New" panose="02070309020205020404" pitchFamily="49" charset="0"/>
+                <a:cs typeface="Courier New" panose="02070309020205020404" pitchFamily="49" charset="0"/>
+              </a:rPr>
+              <a:t>  </a:t>
+            </a:r>
+            <a:r>
+              <a:rPr lang="en-US" altLang="ja-JP" sz="1200" smtClean="0">
+                <a:solidFill>
+                  <a:schemeClr val="tx1"/>
+                </a:solidFill>
+                <a:latin typeface="Courier New" panose="02070309020205020404" pitchFamily="49" charset="0"/>
+                <a:cs typeface="Courier New" panose="02070309020205020404" pitchFamily="49" charset="0"/>
+              </a:rPr>
+              <a:t>all</a:t>
+            </a:r>
+            <a:endParaRPr lang="ja-JP" altLang="en-US" sz="1200">
+              <a:solidFill>
+                <a:schemeClr val="tx1"/>
+              </a:solidFill>
+              <a:latin typeface="Courier New" panose="02070309020205020404" pitchFamily="49" charset="0"/>
+              <a:cs typeface="Courier New" panose="02070309020205020404" pitchFamily="49" charset="0"/>
+            </a:endParaRPr>
+          </a:p>
+        </p:txBody>
+      </p:sp>
     </p:spTree>
     <p:extLst>
       <p:ext uri="{BB962C8B-B14F-4D97-AF65-F5344CB8AC3E}">
         <p14:creationId xmlns:p14="http://schemas.microsoft.com/office/powerpoint/2010/main" val="1160310684"/>
+      </p:ext>
+    </p:extLst>
+  </p:cSld>
+  <p:clrMapOvr>
+    <a:masterClrMapping/>
+  </p:clrMapOvr>
+</p:sld>
+</file>
+
+<file path=ppt/slides/slide2.xml><?xml version="1.0" encoding="utf-8"?>
+<p:sld xmlns:a="http://schemas.openxmlformats.org/drawingml/2006/main" xmlns:r="http://schemas.openxmlformats.org/officeDocument/2006/relationships" xmlns:p="http://schemas.openxmlformats.org/presentationml/2006/main">
+  <p:cSld>
+    <p:spTree>
+      <p:nvGrpSpPr>
+        <p:cNvPr id="1" name=""/>
+        <p:cNvGrpSpPr/>
+        <p:nvPr/>
+      </p:nvGrpSpPr>
+      <p:grpSpPr>
+        <a:xfrm>
+          <a:off x="0" y="0"/>
+          <a:ext cx="0" cy="0"/>
+          <a:chOff x="0" y="0"/>
+          <a:chExt cx="0" cy="0"/>
+        </a:xfrm>
+      </p:grpSpPr>
+      <p:sp>
+        <p:nvSpPr>
+          <p:cNvPr id="4" name="正方形/長方形 3"/>
+          <p:cNvSpPr/>
+          <p:nvPr/>
+        </p:nvSpPr>
+        <p:spPr>
+          <a:xfrm>
+            <a:off x="3297120" y="2303054"/>
+            <a:ext cx="5323006" cy="3823292"/>
+          </a:xfrm>
+          <a:prstGeom prst="rect">
+            <a:avLst/>
+          </a:prstGeom>
+          <a:noFill/>
+          <a:ln>
+            <a:solidFill>
+              <a:schemeClr val="tx1"/>
+            </a:solidFill>
+          </a:ln>
+        </p:spPr>
+        <p:style>
+          <a:lnRef idx="2">
+            <a:schemeClr val="accent1">
+              <a:shade val="50000"/>
+            </a:schemeClr>
+          </a:lnRef>
+          <a:fillRef idx="1">
+            <a:schemeClr val="accent1"/>
+          </a:fillRef>
+          <a:effectRef idx="0">
+            <a:schemeClr val="accent1"/>
+          </a:effectRef>
+          <a:fontRef idx="minor">
+            <a:schemeClr val="lt1"/>
+          </a:fontRef>
+        </p:style>
+        <p:txBody>
+          <a:bodyPr rtlCol="0" anchor="t" anchorCtr="0"/>
+          <a:lstStyle/>
+          <a:p>
+            <a:r>
+              <a:rPr lang="en-US" altLang="ja-JP" sz="1200">
+                <a:solidFill>
+                  <a:schemeClr val="tx1"/>
+                </a:solidFill>
+                <a:latin typeface="Courier New" panose="02070309020205020404" pitchFamily="49" charset="0"/>
+                <a:cs typeface="Courier New" panose="02070309020205020404" pitchFamily="49" charset="0"/>
+              </a:rPr>
+              <a:t>VPC: </a:t>
+            </a:r>
+            <a:r>
+              <a:rPr lang="en-US" altLang="ja-JP" sz="1200" smtClean="0">
+                <a:solidFill>
+                  <a:schemeClr val="tx1"/>
+                </a:solidFill>
+                <a:latin typeface="Courier New" panose="02070309020205020404" pitchFamily="49" charset="0"/>
+                <a:cs typeface="Courier New" panose="02070309020205020404" pitchFamily="49" charset="0"/>
+              </a:rPr>
+              <a:t>IPv4 </a:t>
+            </a:r>
+            <a:r>
+              <a:rPr lang="en-US" altLang="ja-JP" sz="1200">
+                <a:solidFill>
+                  <a:schemeClr val="tx1"/>
+                </a:solidFill>
+                <a:latin typeface="Courier New" panose="02070309020205020404" pitchFamily="49" charset="0"/>
+                <a:cs typeface="Courier New" panose="02070309020205020404" pitchFamily="49" charset="0"/>
+              </a:rPr>
+              <a:t>CIDR 10.0.0.0/16</a:t>
+            </a:r>
+            <a:endParaRPr lang="ja-JP" altLang="en-US" sz="1200">
+              <a:solidFill>
+                <a:schemeClr val="tx1"/>
+              </a:solidFill>
+              <a:latin typeface="Courier New" panose="02070309020205020404" pitchFamily="49" charset="0"/>
+              <a:cs typeface="Courier New" panose="02070309020205020404" pitchFamily="49" charset="0"/>
+            </a:endParaRPr>
+          </a:p>
+        </p:txBody>
+      </p:sp>
+      <p:sp>
+        <p:nvSpPr>
+          <p:cNvPr id="7" name="正方形/長方形 6"/>
+          <p:cNvSpPr/>
+          <p:nvPr/>
+        </p:nvSpPr>
+        <p:spPr>
+          <a:xfrm>
+            <a:off x="2618753" y="1944929"/>
+            <a:ext cx="6229972" cy="4362785"/>
+          </a:xfrm>
+          <a:prstGeom prst="rect">
+            <a:avLst/>
+          </a:prstGeom>
+          <a:noFill/>
+          <a:ln>
+            <a:solidFill>
+              <a:schemeClr val="tx1"/>
+            </a:solidFill>
+          </a:ln>
+        </p:spPr>
+        <p:style>
+          <a:lnRef idx="2">
+            <a:schemeClr val="accent1">
+              <a:shade val="50000"/>
+            </a:schemeClr>
+          </a:lnRef>
+          <a:fillRef idx="1">
+            <a:schemeClr val="accent1"/>
+          </a:fillRef>
+          <a:effectRef idx="0">
+            <a:schemeClr val="accent1"/>
+          </a:effectRef>
+          <a:fontRef idx="minor">
+            <a:schemeClr val="lt1"/>
+          </a:fontRef>
+        </p:style>
+        <p:txBody>
+          <a:bodyPr rtlCol="0" anchor="t" anchorCtr="0"/>
+          <a:lstStyle/>
+          <a:p>
+            <a:r>
+              <a:rPr lang="en-US" altLang="ja-JP" sz="1200">
+                <a:solidFill>
+                  <a:schemeClr val="tx1"/>
+                </a:solidFill>
+                <a:latin typeface="Courier New" panose="02070309020205020404" pitchFamily="49" charset="0"/>
+                <a:cs typeface="Courier New" panose="02070309020205020404" pitchFamily="49" charset="0"/>
+              </a:rPr>
+              <a:t>AWS</a:t>
+            </a:r>
+            <a:endParaRPr lang="ja-JP" altLang="en-US" sz="1200">
+              <a:solidFill>
+                <a:schemeClr val="tx1"/>
+              </a:solidFill>
+              <a:latin typeface="Courier New" panose="02070309020205020404" pitchFamily="49" charset="0"/>
+              <a:cs typeface="Courier New" panose="02070309020205020404" pitchFamily="49" charset="0"/>
+            </a:endParaRPr>
+          </a:p>
+        </p:txBody>
+      </p:sp>
+      <p:sp>
+        <p:nvSpPr>
+          <p:cNvPr id="141" name="正方形/長方形 140"/>
+          <p:cNvSpPr/>
+          <p:nvPr/>
+        </p:nvSpPr>
+        <p:spPr>
+          <a:xfrm>
+            <a:off x="3523589" y="5014319"/>
+            <a:ext cx="1968572" cy="844847"/>
+          </a:xfrm>
+          <a:prstGeom prst="rect">
+            <a:avLst/>
+          </a:prstGeom>
+          <a:noFill/>
+          <a:ln>
+            <a:solidFill>
+              <a:schemeClr val="tx1"/>
+            </a:solidFill>
+          </a:ln>
+        </p:spPr>
+        <p:style>
+          <a:lnRef idx="2">
+            <a:schemeClr val="accent1">
+              <a:shade val="50000"/>
+            </a:schemeClr>
+          </a:lnRef>
+          <a:fillRef idx="1">
+            <a:schemeClr val="accent1"/>
+          </a:fillRef>
+          <a:effectRef idx="0">
+            <a:schemeClr val="accent1"/>
+          </a:effectRef>
+          <a:fontRef idx="minor">
+            <a:schemeClr val="lt1"/>
+          </a:fontRef>
+        </p:style>
+        <p:txBody>
+          <a:bodyPr rtlCol="0" anchor="t" anchorCtr="0"/>
+          <a:lstStyle/>
+          <a:p>
+            <a:r>
+              <a:rPr lang="en-US" altLang="ja-JP" sz="1200">
+                <a:solidFill>
+                  <a:schemeClr val="tx1"/>
+                </a:solidFill>
+                <a:latin typeface="Courier New" panose="02070309020205020404" pitchFamily="49" charset="0"/>
+                <a:cs typeface="Courier New" panose="02070309020205020404" pitchFamily="49" charset="0"/>
+              </a:rPr>
+              <a:t>ROUTE </a:t>
+            </a:r>
+            <a:r>
+              <a:rPr lang="en-US" altLang="ja-JP" sz="1200" smtClean="0">
+                <a:solidFill>
+                  <a:schemeClr val="tx1"/>
+                </a:solidFill>
+                <a:latin typeface="Courier New" panose="02070309020205020404" pitchFamily="49" charset="0"/>
+                <a:cs typeface="Courier New" panose="02070309020205020404" pitchFamily="49" charset="0"/>
+              </a:rPr>
+              <a:t>TABLE</a:t>
+            </a:r>
+          </a:p>
+          <a:p>
+            <a:r>
+              <a:rPr lang="en-US" altLang="ja-JP" sz="1200" smtClean="0">
+                <a:solidFill>
+                  <a:schemeClr val="tx1"/>
+                </a:solidFill>
+                <a:latin typeface="Courier New" panose="02070309020205020404" pitchFamily="49" charset="0"/>
+                <a:cs typeface="Courier New" panose="02070309020205020404" pitchFamily="49" charset="0"/>
+              </a:rPr>
+              <a:t>10.0.0.0/16</a:t>
+            </a:r>
+            <a:r>
+              <a:rPr lang="en-US" altLang="ja-JP" sz="1200">
+                <a:solidFill>
+                  <a:schemeClr val="tx1"/>
+                </a:solidFill>
+                <a:latin typeface="Courier New" panose="02070309020205020404" pitchFamily="49" charset="0"/>
+                <a:cs typeface="Courier New" panose="02070309020205020404" pitchFamily="49" charset="0"/>
+              </a:rPr>
+              <a:t>, local</a:t>
+            </a:r>
+          </a:p>
+          <a:p>
+            <a:r>
+              <a:rPr lang="en-US" altLang="ja-JP" sz="1200">
+                <a:solidFill>
+                  <a:schemeClr val="tx1"/>
+                </a:solidFill>
+                <a:latin typeface="Courier New" panose="02070309020205020404" pitchFamily="49" charset="0"/>
+                <a:cs typeface="Courier New" panose="02070309020205020404" pitchFamily="49" charset="0"/>
+              </a:rPr>
+              <a:t>0.0.0.0/0, </a:t>
+            </a:r>
+            <a:r>
+              <a:rPr lang="en-US" altLang="ja-JP" sz="1200" smtClean="0">
+                <a:solidFill>
+                  <a:schemeClr val="tx1"/>
+                </a:solidFill>
+                <a:latin typeface="Courier New" panose="02070309020205020404" pitchFamily="49" charset="0"/>
+                <a:cs typeface="Courier New" panose="02070309020205020404" pitchFamily="49" charset="0"/>
+              </a:rPr>
+              <a:t>igw</a:t>
+            </a:r>
+          </a:p>
+          <a:p>
+            <a:r>
+              <a:rPr lang="en-US" altLang="ja-JP" sz="1200" smtClean="0">
+                <a:solidFill>
+                  <a:schemeClr val="tx1"/>
+                </a:solidFill>
+                <a:latin typeface="Courier New" panose="02070309020205020404" pitchFamily="49" charset="0"/>
+                <a:cs typeface="Courier New" panose="02070309020205020404" pitchFamily="49" charset="0"/>
+              </a:rPr>
+              <a:t>s3, vpce-xxxxx</a:t>
+            </a:r>
+            <a:endParaRPr lang="en-US" altLang="ja-JP" sz="1200">
+              <a:solidFill>
+                <a:schemeClr val="tx1"/>
+              </a:solidFill>
+              <a:latin typeface="Courier New" panose="02070309020205020404" pitchFamily="49" charset="0"/>
+              <a:cs typeface="Courier New" panose="02070309020205020404" pitchFamily="49" charset="0"/>
+            </a:endParaRPr>
+          </a:p>
+        </p:txBody>
+      </p:sp>
+      <p:sp>
+        <p:nvSpPr>
+          <p:cNvPr id="184" name="正方形/長方形 183"/>
+          <p:cNvSpPr/>
+          <p:nvPr/>
+        </p:nvSpPr>
+        <p:spPr>
+          <a:xfrm>
+            <a:off x="2126487" y="4379125"/>
+            <a:ext cx="1000247" cy="456032"/>
+          </a:xfrm>
+          <a:prstGeom prst="rect">
+            <a:avLst/>
+          </a:prstGeom>
+          <a:solidFill>
+            <a:schemeClr val="bg1"/>
+          </a:solidFill>
+          <a:ln>
+            <a:solidFill>
+              <a:schemeClr val="tx1"/>
+            </a:solidFill>
+          </a:ln>
+        </p:spPr>
+        <p:style>
+          <a:lnRef idx="2">
+            <a:schemeClr val="accent1">
+              <a:shade val="50000"/>
+            </a:schemeClr>
+          </a:lnRef>
+          <a:fillRef idx="1">
+            <a:schemeClr val="accent1"/>
+          </a:fillRef>
+          <a:effectRef idx="0">
+            <a:schemeClr val="accent1"/>
+          </a:effectRef>
+          <a:fontRef idx="minor">
+            <a:schemeClr val="lt1"/>
+          </a:fontRef>
+        </p:style>
+        <p:txBody>
+          <a:bodyPr rtlCol="0" anchor="t" anchorCtr="0"/>
+          <a:lstStyle/>
+          <a:p>
+            <a:r>
+              <a:rPr lang="en-US" altLang="ja-JP" sz="1200" smtClean="0">
+                <a:solidFill>
+                  <a:schemeClr val="tx1"/>
+                </a:solidFill>
+                <a:latin typeface="Courier New" panose="02070309020205020404" pitchFamily="49" charset="0"/>
+                <a:cs typeface="Courier New" panose="02070309020205020404" pitchFamily="49" charset="0"/>
+              </a:rPr>
+              <a:t>INTERNET-GATEWAY</a:t>
+            </a:r>
+            <a:endParaRPr lang="en-US" altLang="ja-JP" sz="1200">
+              <a:solidFill>
+                <a:schemeClr val="tx1"/>
+              </a:solidFill>
+              <a:latin typeface="Courier New" panose="02070309020205020404" pitchFamily="49" charset="0"/>
+              <a:cs typeface="Courier New" panose="02070309020205020404" pitchFamily="49" charset="0"/>
+            </a:endParaRPr>
+          </a:p>
+        </p:txBody>
+      </p:sp>
+      <p:cxnSp>
+        <p:nvCxnSpPr>
+          <p:cNvPr id="143" name="カギ線コネクタ 142"/>
+          <p:cNvCxnSpPr>
+            <a:stCxn id="26" idx="6"/>
+            <a:endCxn id="54" idx="3"/>
+          </p:cNvCxnSpPr>
+          <p:nvPr/>
+        </p:nvCxnSpPr>
+        <p:spPr>
+          <a:xfrm flipV="1">
+            <a:off x="4083786" y="4489187"/>
+            <a:ext cx="216075" cy="119228"/>
+          </a:xfrm>
+          <a:prstGeom prst="bentConnector3">
+            <a:avLst>
+              <a:gd name="adj1" fmla="val 50000"/>
+            </a:avLst>
+          </a:prstGeom>
+          <a:ln>
+            <a:solidFill>
+              <a:schemeClr val="tx1"/>
+            </a:solidFill>
+            <a:prstDash val="solid"/>
+          </a:ln>
+        </p:spPr>
+        <p:style>
+          <a:lnRef idx="1">
+            <a:schemeClr val="accent1"/>
+          </a:lnRef>
+          <a:fillRef idx="0">
+            <a:schemeClr val="accent1"/>
+          </a:fillRef>
+          <a:effectRef idx="0">
+            <a:schemeClr val="accent1"/>
+          </a:effectRef>
+          <a:fontRef idx="minor">
+            <a:schemeClr val="tx1"/>
+          </a:fontRef>
+        </p:style>
+      </p:cxnSp>
+      <p:sp>
+        <p:nvSpPr>
+          <p:cNvPr id="56" name="正方形/長方形 55"/>
+          <p:cNvSpPr/>
+          <p:nvPr/>
+        </p:nvSpPr>
+        <p:spPr>
+          <a:xfrm>
+            <a:off x="6099861" y="4352411"/>
+            <a:ext cx="2520264" cy="283977"/>
+          </a:xfrm>
+          <a:prstGeom prst="rect">
+            <a:avLst/>
+          </a:prstGeom>
+          <a:noFill/>
+          <a:ln>
+            <a:noFill/>
+          </a:ln>
+        </p:spPr>
+        <p:style>
+          <a:lnRef idx="2">
+            <a:schemeClr val="accent1">
+              <a:shade val="50000"/>
+            </a:schemeClr>
+          </a:lnRef>
+          <a:fillRef idx="1">
+            <a:schemeClr val="accent1"/>
+          </a:fillRef>
+          <a:effectRef idx="0">
+            <a:schemeClr val="accent1"/>
+          </a:effectRef>
+          <a:fontRef idx="minor">
+            <a:schemeClr val="lt1"/>
+          </a:fontRef>
+        </p:style>
+        <p:txBody>
+          <a:bodyPr rtlCol="0" anchor="t" anchorCtr="0"/>
+          <a:lstStyle/>
+          <a:p>
+            <a:r>
+              <a:rPr lang="en-US" altLang="ja-JP" sz="1200" smtClean="0">
+                <a:solidFill>
+                  <a:schemeClr val="tx1"/>
+                </a:solidFill>
+                <a:latin typeface="Courier New" panose="02070309020205020404" pitchFamily="49" charset="0"/>
+                <a:cs typeface="Courier New" panose="02070309020205020404" pitchFamily="49" charset="0"/>
+              </a:rPr>
+              <a:t>subnet-public </a:t>
+            </a:r>
+            <a:r>
+              <a:rPr lang="en-US" altLang="ja-JP" sz="1200" smtClean="0">
+                <a:solidFill>
+                  <a:schemeClr val="tx1"/>
+                </a:solidFill>
+                <a:latin typeface="Courier New" panose="02070309020205020404" pitchFamily="49" charset="0"/>
+                <a:cs typeface="Courier New" panose="02070309020205020404" pitchFamily="49" charset="0"/>
+              </a:rPr>
+              <a:t>10.0.0.0/20</a:t>
+            </a:r>
+            <a:endParaRPr lang="ja-JP" altLang="en-US" sz="1200">
+              <a:solidFill>
+                <a:schemeClr val="tx1"/>
+              </a:solidFill>
+              <a:latin typeface="Courier New" panose="02070309020205020404" pitchFamily="49" charset="0"/>
+              <a:cs typeface="Courier New" panose="02070309020205020404" pitchFamily="49" charset="0"/>
+            </a:endParaRPr>
+          </a:p>
+        </p:txBody>
+      </p:sp>
+      <p:sp>
+        <p:nvSpPr>
+          <p:cNvPr id="54" name="円柱 53"/>
+          <p:cNvSpPr/>
+          <p:nvPr/>
+        </p:nvSpPr>
+        <p:spPr>
+          <a:xfrm rot="5400000">
+            <a:off x="5140487" y="3589187"/>
+            <a:ext cx="118748" cy="1800000"/>
+          </a:xfrm>
+          <a:prstGeom prst="can">
+            <a:avLst>
+              <a:gd name="adj" fmla="val 70779"/>
+            </a:avLst>
+          </a:prstGeom>
+          <a:solidFill>
+            <a:schemeClr val="bg1"/>
+          </a:solidFill>
+          <a:ln w="9525">
+            <a:solidFill>
+              <a:schemeClr val="tx1"/>
+            </a:solidFill>
+          </a:ln>
+        </p:spPr>
+        <p:style>
+          <a:lnRef idx="2">
+            <a:schemeClr val="accent1">
+              <a:shade val="50000"/>
+            </a:schemeClr>
+          </a:lnRef>
+          <a:fillRef idx="1">
+            <a:schemeClr val="accent1"/>
+          </a:fillRef>
+          <a:effectRef idx="0">
+            <a:schemeClr val="accent1"/>
+          </a:effectRef>
+          <a:fontRef idx="minor">
+            <a:schemeClr val="lt1"/>
+          </a:fontRef>
+        </p:style>
+        <p:txBody>
+          <a:bodyPr rtlCol="0" anchor="ctr"/>
+          <a:lstStyle/>
+          <a:p>
+            <a:pPr algn="ctr"/>
+            <a:endParaRPr lang="ja-JP" altLang="en-US"/>
+          </a:p>
+        </p:txBody>
+      </p:sp>
+      <p:cxnSp>
+        <p:nvCxnSpPr>
+          <p:cNvPr id="219" name="カギ線コネクタ 218"/>
+          <p:cNvCxnSpPr>
+            <a:stCxn id="184" idx="3"/>
+            <a:endCxn id="26" idx="2"/>
+          </p:cNvCxnSpPr>
+          <p:nvPr/>
+        </p:nvCxnSpPr>
+        <p:spPr>
+          <a:xfrm>
+            <a:off x="3126734" y="4607141"/>
+            <a:ext cx="595408" cy="1274"/>
+          </a:xfrm>
+          <a:prstGeom prst="bentConnector3">
+            <a:avLst>
+              <a:gd name="adj1" fmla="val 50000"/>
+            </a:avLst>
+          </a:prstGeom>
+          <a:ln>
+            <a:solidFill>
+              <a:schemeClr val="tx1"/>
+            </a:solidFill>
+            <a:prstDash val="solid"/>
+          </a:ln>
+        </p:spPr>
+        <p:style>
+          <a:lnRef idx="1">
+            <a:schemeClr val="accent1"/>
+          </a:lnRef>
+          <a:fillRef idx="0">
+            <a:schemeClr val="accent1"/>
+          </a:fillRef>
+          <a:effectRef idx="0">
+            <a:schemeClr val="accent1"/>
+          </a:effectRef>
+          <a:fontRef idx="minor">
+            <a:schemeClr val="tx1"/>
+          </a:fontRef>
+        </p:style>
+      </p:cxnSp>
+      <p:sp>
+        <p:nvSpPr>
+          <p:cNvPr id="26" name="フローチャート: 和接合 25"/>
+          <p:cNvSpPr/>
+          <p:nvPr/>
+        </p:nvSpPr>
+        <p:spPr>
+          <a:xfrm>
+            <a:off x="3722142" y="4429813"/>
+            <a:ext cx="361644" cy="357203"/>
+          </a:xfrm>
+          <a:prstGeom prst="flowChartSummingJunction">
+            <a:avLst/>
+          </a:prstGeom>
+          <a:noFill/>
+          <a:ln>
+            <a:solidFill>
+              <a:schemeClr val="tx1"/>
+            </a:solidFill>
+          </a:ln>
+        </p:spPr>
+        <p:style>
+          <a:lnRef idx="2">
+            <a:schemeClr val="accent1">
+              <a:shade val="50000"/>
+            </a:schemeClr>
+          </a:lnRef>
+          <a:fillRef idx="1">
+            <a:schemeClr val="accent1"/>
+          </a:fillRef>
+          <a:effectRef idx="0">
+            <a:schemeClr val="accent1"/>
+          </a:effectRef>
+          <a:fontRef idx="minor">
+            <a:schemeClr val="lt1"/>
+          </a:fontRef>
+        </p:style>
+        <p:txBody>
+          <a:bodyPr rtlCol="0" anchor="ctr"/>
+          <a:lstStyle/>
+          <a:p>
+            <a:pPr algn="ctr"/>
+            <a:endParaRPr kumimoji="1" lang="ja-JP" altLang="en-US"/>
+          </a:p>
+        </p:txBody>
+      </p:sp>
+      <p:cxnSp>
+        <p:nvCxnSpPr>
+          <p:cNvPr id="168" name="カギ線コネクタ 167"/>
+          <p:cNvCxnSpPr>
+            <a:stCxn id="141" idx="0"/>
+            <a:endCxn id="26" idx="4"/>
+          </p:cNvCxnSpPr>
+          <p:nvPr/>
+        </p:nvCxnSpPr>
+        <p:spPr>
+          <a:xfrm rot="16200000" flipV="1">
+            <a:off x="4091769" y="4598212"/>
+            <a:ext cx="227303" cy="604911"/>
+          </a:xfrm>
+          <a:prstGeom prst="bentConnector3">
+            <a:avLst>
+              <a:gd name="adj1" fmla="val 50000"/>
+            </a:avLst>
+          </a:prstGeom>
+          <a:ln>
+            <a:solidFill>
+              <a:schemeClr val="tx1"/>
+            </a:solidFill>
+            <a:prstDash val="dash"/>
+          </a:ln>
+        </p:spPr>
+        <p:style>
+          <a:lnRef idx="1">
+            <a:schemeClr val="accent1"/>
+          </a:lnRef>
+          <a:fillRef idx="0">
+            <a:schemeClr val="accent1"/>
+          </a:fillRef>
+          <a:effectRef idx="0">
+            <a:schemeClr val="accent1"/>
+          </a:effectRef>
+          <a:fontRef idx="minor">
+            <a:schemeClr val="tx1"/>
+          </a:fontRef>
+        </p:style>
+      </p:cxnSp>
+      <p:sp>
+        <p:nvSpPr>
+          <p:cNvPr id="169" name="正方形/長方形 168"/>
+          <p:cNvSpPr/>
+          <p:nvPr/>
+        </p:nvSpPr>
+        <p:spPr>
+          <a:xfrm>
+            <a:off x="4662979" y="4445963"/>
+            <a:ext cx="181624" cy="88206"/>
+          </a:xfrm>
+          <a:prstGeom prst="rect">
+            <a:avLst/>
+          </a:prstGeom>
+          <a:solidFill>
+            <a:schemeClr val="bg1"/>
+          </a:solidFill>
+          <a:ln>
+            <a:noFill/>
+          </a:ln>
+        </p:spPr>
+        <p:style>
+          <a:lnRef idx="2">
+            <a:schemeClr val="accent1">
+              <a:shade val="50000"/>
+            </a:schemeClr>
+          </a:lnRef>
+          <a:fillRef idx="1">
+            <a:schemeClr val="accent1"/>
+          </a:fillRef>
+          <a:effectRef idx="0">
+            <a:schemeClr val="accent1"/>
+          </a:effectRef>
+          <a:fontRef idx="minor">
+            <a:schemeClr val="lt1"/>
+          </a:fontRef>
+        </p:style>
+        <p:txBody>
+          <a:bodyPr rtlCol="0" anchor="ctr"/>
+          <a:lstStyle/>
+          <a:p>
+            <a:pPr algn="ctr"/>
+            <a:endParaRPr kumimoji="1" lang="ja-JP" altLang="en-US"/>
+          </a:p>
+        </p:txBody>
+      </p:sp>
+      <p:sp>
+        <p:nvSpPr>
+          <p:cNvPr id="230" name="タイトル 229"/>
+          <p:cNvSpPr>
+            <a:spLocks noGrp="1"/>
+          </p:cNvSpPr>
+          <p:nvPr>
+            <p:ph type="title"/>
+          </p:nvPr>
+        </p:nvSpPr>
+        <p:spPr/>
+        <p:txBody>
+          <a:bodyPr/>
+          <a:lstStyle/>
+          <a:p>
+            <a:r>
+              <a:rPr kumimoji="1" lang="en-US" altLang="ja-JP" smtClean="0"/>
+              <a:t>VPN</a:t>
+            </a:r>
+            <a:r>
+              <a:rPr kumimoji="1" lang="ja-JP" altLang="en-US" smtClean="0"/>
+              <a:t>接続による</a:t>
+            </a:r>
+            <a:r>
+              <a:rPr kumimoji="1" lang="en-US" altLang="ja-JP" smtClean="0"/>
+              <a:t>S3</a:t>
+            </a:r>
+            <a:r>
+              <a:rPr kumimoji="1" lang="ja-JP" altLang="en-US" smtClean="0"/>
+              <a:t>利用</a:t>
+            </a:r>
+            <a:r>
+              <a:rPr kumimoji="1" lang="ja-JP" altLang="en-US" smtClean="0"/>
+              <a:t>時</a:t>
+            </a:r>
+            <a:endParaRPr kumimoji="1" lang="ja-JP" altLang="en-US"/>
+          </a:p>
+        </p:txBody>
+      </p:sp>
+      <p:sp>
+        <p:nvSpPr>
+          <p:cNvPr id="27" name="正方形/長方形 26"/>
+          <p:cNvSpPr/>
+          <p:nvPr/>
+        </p:nvSpPr>
+        <p:spPr>
+          <a:xfrm>
+            <a:off x="2789138" y="5436742"/>
+            <a:ext cx="416862" cy="306289"/>
+          </a:xfrm>
+          <a:prstGeom prst="rect">
+            <a:avLst/>
+          </a:prstGeom>
+          <a:noFill/>
+          <a:ln>
+            <a:solidFill>
+              <a:schemeClr val="tx1"/>
+            </a:solidFill>
+          </a:ln>
+        </p:spPr>
+        <p:style>
+          <a:lnRef idx="2">
+            <a:schemeClr val="accent1">
+              <a:shade val="50000"/>
+            </a:schemeClr>
+          </a:lnRef>
+          <a:fillRef idx="1">
+            <a:schemeClr val="accent1"/>
+          </a:fillRef>
+          <a:effectRef idx="0">
+            <a:schemeClr val="accent1"/>
+          </a:effectRef>
+          <a:fontRef idx="minor">
+            <a:schemeClr val="lt1"/>
+          </a:fontRef>
+        </p:style>
+        <p:txBody>
+          <a:bodyPr rtlCol="0" anchor="t" anchorCtr="0"/>
+          <a:lstStyle/>
+          <a:p>
+            <a:r>
+              <a:rPr lang="en-US" altLang="ja-JP" sz="1200" smtClean="0">
+                <a:solidFill>
+                  <a:schemeClr val="tx1"/>
+                </a:solidFill>
+                <a:latin typeface="Courier New" panose="02070309020205020404" pitchFamily="49" charset="0"/>
+                <a:cs typeface="Courier New" panose="02070309020205020404" pitchFamily="49" charset="0"/>
+              </a:rPr>
+              <a:t>S3</a:t>
+            </a:r>
+            <a:endParaRPr lang="en-US" altLang="ja-JP" sz="1200">
+              <a:solidFill>
+                <a:schemeClr val="tx1"/>
+              </a:solidFill>
+              <a:latin typeface="Courier New" panose="02070309020205020404" pitchFamily="49" charset="0"/>
+              <a:cs typeface="Courier New" panose="02070309020205020404" pitchFamily="49" charset="0"/>
+            </a:endParaRPr>
+          </a:p>
+        </p:txBody>
+      </p:sp>
+      <p:cxnSp>
+        <p:nvCxnSpPr>
+          <p:cNvPr id="28" name="カギ線コネクタ 27"/>
+          <p:cNvCxnSpPr>
+            <a:stCxn id="27" idx="3"/>
+            <a:endCxn id="141" idx="1"/>
+          </p:cNvCxnSpPr>
+          <p:nvPr/>
+        </p:nvCxnSpPr>
+        <p:spPr>
+          <a:xfrm flipV="1">
+            <a:off x="3206000" y="5436743"/>
+            <a:ext cx="317589" cy="153144"/>
+          </a:xfrm>
+          <a:prstGeom prst="bentConnector3">
+            <a:avLst>
+              <a:gd name="adj1" fmla="val 50000"/>
+            </a:avLst>
+          </a:prstGeom>
+          <a:ln>
+            <a:solidFill>
+              <a:schemeClr val="tx1"/>
+            </a:solidFill>
+            <a:prstDash val="solid"/>
+          </a:ln>
+        </p:spPr>
+        <p:style>
+          <a:lnRef idx="1">
+            <a:schemeClr val="accent1"/>
+          </a:lnRef>
+          <a:fillRef idx="0">
+            <a:schemeClr val="accent1"/>
+          </a:fillRef>
+          <a:effectRef idx="0">
+            <a:schemeClr val="accent1"/>
+          </a:effectRef>
+          <a:fontRef idx="minor">
+            <a:schemeClr val="tx1"/>
+          </a:fontRef>
+        </p:style>
+      </p:cxnSp>
+      <p:sp>
+        <p:nvSpPr>
+          <p:cNvPr id="30" name="正方形/長方形 29"/>
+          <p:cNvSpPr/>
+          <p:nvPr/>
+        </p:nvSpPr>
+        <p:spPr>
+          <a:xfrm>
+            <a:off x="5755562" y="2573619"/>
+            <a:ext cx="2715961" cy="1679951"/>
+          </a:xfrm>
+          <a:prstGeom prst="rect">
+            <a:avLst/>
+          </a:prstGeom>
+          <a:noFill/>
+          <a:ln w="9525">
+            <a:solidFill>
+              <a:schemeClr val="tx1"/>
+            </a:solidFill>
+            <a:prstDash val="dash"/>
+          </a:ln>
+        </p:spPr>
+        <p:style>
+          <a:lnRef idx="2">
+            <a:schemeClr val="accent1">
+              <a:shade val="50000"/>
+            </a:schemeClr>
+          </a:lnRef>
+          <a:fillRef idx="1">
+            <a:schemeClr val="accent1"/>
+          </a:fillRef>
+          <a:effectRef idx="0">
+            <a:schemeClr val="accent1"/>
+          </a:effectRef>
+          <a:fontRef idx="minor">
+            <a:schemeClr val="lt1"/>
+          </a:fontRef>
+        </p:style>
+        <p:txBody>
+          <a:bodyPr rtlCol="0" anchor="t" anchorCtr="0"/>
+          <a:lstStyle/>
+          <a:p>
+            <a:r>
+              <a:rPr lang="en-US" altLang="ja-JP" sz="1200">
+                <a:solidFill>
+                  <a:schemeClr val="tx1"/>
+                </a:solidFill>
+                <a:latin typeface="Courier New" panose="02070309020205020404" pitchFamily="49" charset="0"/>
+                <a:cs typeface="Courier New" panose="02070309020205020404" pitchFamily="49" charset="0"/>
+              </a:rPr>
+              <a:t>SECURITY </a:t>
+            </a:r>
+            <a:r>
+              <a:rPr lang="en-US" altLang="ja-JP" sz="1200" smtClean="0">
+                <a:solidFill>
+                  <a:schemeClr val="tx1"/>
+                </a:solidFill>
+                <a:latin typeface="Courier New" panose="02070309020205020404" pitchFamily="49" charset="0"/>
+                <a:cs typeface="Courier New" panose="02070309020205020404" pitchFamily="49" charset="0"/>
+              </a:rPr>
+              <a:t>GROUP</a:t>
+            </a:r>
+            <a:r>
+              <a:rPr lang="en-US" altLang="ja-JP" sz="1200">
+                <a:solidFill>
+                  <a:schemeClr val="tx1"/>
+                </a:solidFill>
+                <a:latin typeface="Courier New" panose="02070309020205020404" pitchFamily="49" charset="0"/>
+                <a:cs typeface="Courier New" panose="02070309020205020404" pitchFamily="49" charset="0"/>
+              </a:rPr>
+              <a:t> </a:t>
+            </a:r>
+            <a:r>
+              <a:rPr lang="en-US" altLang="ja-JP" sz="1200" smtClean="0">
+                <a:solidFill>
+                  <a:schemeClr val="tx1"/>
+                </a:solidFill>
+                <a:latin typeface="Courier New" panose="02070309020205020404" pitchFamily="49" charset="0"/>
+                <a:cs typeface="Courier New" panose="02070309020205020404" pitchFamily="49" charset="0"/>
+              </a:rPr>
+              <a:t>sg-af954dd7</a:t>
+            </a:r>
+          </a:p>
+          <a:p>
+            <a:r>
+              <a:rPr lang="en-US" altLang="ja-JP" sz="1200" smtClean="0">
+                <a:solidFill>
+                  <a:schemeClr val="tx1"/>
+                </a:solidFill>
+                <a:latin typeface="Courier New" panose="02070309020205020404" pitchFamily="49" charset="0"/>
+                <a:cs typeface="Courier New" panose="02070309020205020404" pitchFamily="49" charset="0"/>
+              </a:rPr>
+              <a:t>inbound</a:t>
+            </a:r>
+            <a:endParaRPr lang="en-US" altLang="ja-JP" sz="1200">
+              <a:solidFill>
+                <a:schemeClr val="tx1"/>
+              </a:solidFill>
+              <a:latin typeface="Courier New" panose="02070309020205020404" pitchFamily="49" charset="0"/>
+              <a:cs typeface="Courier New" panose="02070309020205020404" pitchFamily="49" charset="0"/>
+            </a:endParaRPr>
+          </a:p>
+          <a:p>
+            <a:r>
+              <a:rPr lang="en-US" altLang="ja-JP" sz="1200">
+                <a:solidFill>
+                  <a:schemeClr val="tx1"/>
+                </a:solidFill>
+                <a:latin typeface="Courier New" panose="02070309020205020404" pitchFamily="49" charset="0"/>
+                <a:cs typeface="Courier New" panose="02070309020205020404" pitchFamily="49" charset="0"/>
+              </a:rPr>
+              <a:t>  </a:t>
+            </a:r>
+            <a:r>
+              <a:rPr lang="en-US" altLang="ja-JP" sz="1200" smtClean="0">
+                <a:solidFill>
+                  <a:schemeClr val="tx1"/>
+                </a:solidFill>
+                <a:latin typeface="Courier New" panose="02070309020205020404" pitchFamily="49" charset="0"/>
+                <a:cs typeface="Courier New" panose="02070309020205020404" pitchFamily="49" charset="0"/>
+              </a:rPr>
+              <a:t>TCP 22   </a:t>
+            </a:r>
+            <a:r>
+              <a:rPr lang="en-US" altLang="ja-JP" sz="1200">
+                <a:solidFill>
+                  <a:schemeClr val="tx1"/>
+                </a:solidFill>
+                <a:latin typeface="Courier New" panose="02070309020205020404" pitchFamily="49" charset="0"/>
+                <a:cs typeface="Courier New" panose="02070309020205020404" pitchFamily="49" charset="0"/>
+              </a:rPr>
+              <a:t>106.180.8.0/24</a:t>
+            </a:r>
+          </a:p>
+          <a:p>
+            <a:r>
+              <a:rPr lang="en-US" altLang="ja-JP" sz="1200" smtClean="0">
+                <a:solidFill>
+                  <a:schemeClr val="tx1"/>
+                </a:solidFill>
+                <a:latin typeface="Courier New" panose="02070309020205020404" pitchFamily="49" charset="0"/>
+                <a:cs typeface="Courier New" panose="02070309020205020404" pitchFamily="49" charset="0"/>
+              </a:rPr>
+              <a:t>  </a:t>
+            </a:r>
+            <a:r>
+              <a:rPr lang="en-US" altLang="ja-JP" sz="1200" smtClean="0">
+                <a:solidFill>
+                  <a:schemeClr val="tx1"/>
+                </a:solidFill>
+                <a:latin typeface="Courier New" panose="02070309020205020404" pitchFamily="49" charset="0"/>
+                <a:cs typeface="Courier New" panose="02070309020205020404" pitchFamily="49" charset="0"/>
+              </a:rPr>
+              <a:t>TCP 443  </a:t>
+            </a:r>
+            <a:r>
+              <a:rPr lang="en-US" altLang="ja-JP" sz="1200" smtClean="0">
+                <a:solidFill>
+                  <a:schemeClr val="tx1"/>
+                </a:solidFill>
+                <a:latin typeface="Courier New" panose="02070309020205020404" pitchFamily="49" charset="0"/>
+                <a:cs typeface="Courier New" panose="02070309020205020404" pitchFamily="49" charset="0"/>
+              </a:rPr>
+              <a:t>106.180.8.0/24</a:t>
+            </a:r>
+            <a:endParaRPr lang="en-US" altLang="ja-JP" sz="1200" smtClean="0">
+              <a:solidFill>
+                <a:schemeClr val="tx1"/>
+              </a:solidFill>
+              <a:latin typeface="Courier New" panose="02070309020205020404" pitchFamily="49" charset="0"/>
+              <a:cs typeface="Courier New" panose="02070309020205020404" pitchFamily="49" charset="0"/>
+            </a:endParaRPr>
+          </a:p>
+          <a:p>
+            <a:r>
+              <a:rPr lang="en-US" altLang="ja-JP" sz="1200">
+                <a:solidFill>
+                  <a:schemeClr val="tx1"/>
+                </a:solidFill>
+                <a:latin typeface="Courier New" panose="02070309020205020404" pitchFamily="49" charset="0"/>
+                <a:cs typeface="Courier New" panose="02070309020205020404" pitchFamily="49" charset="0"/>
+              </a:rPr>
+              <a:t> </a:t>
+            </a:r>
+            <a:r>
+              <a:rPr lang="en-US" altLang="ja-JP" sz="1200" smtClean="0">
+                <a:solidFill>
+                  <a:schemeClr val="tx1"/>
+                </a:solidFill>
+                <a:latin typeface="Courier New" panose="02070309020205020404" pitchFamily="49" charset="0"/>
+                <a:cs typeface="Courier New" panose="02070309020205020404" pitchFamily="49" charset="0"/>
+              </a:rPr>
+              <a:t> UDP 500  </a:t>
+            </a:r>
+            <a:r>
+              <a:rPr lang="en-US" altLang="ja-JP" sz="1200" smtClean="0">
+                <a:solidFill>
+                  <a:schemeClr val="tx1"/>
+                </a:solidFill>
+                <a:latin typeface="Courier New" panose="02070309020205020404" pitchFamily="49" charset="0"/>
+                <a:cs typeface="Courier New" panose="02070309020205020404" pitchFamily="49" charset="0"/>
+              </a:rPr>
+              <a:t>106.180.8.0/24</a:t>
+            </a:r>
+            <a:endParaRPr lang="en-US" altLang="ja-JP" sz="1200" smtClean="0">
+              <a:solidFill>
+                <a:schemeClr val="tx1"/>
+              </a:solidFill>
+              <a:latin typeface="Courier New" panose="02070309020205020404" pitchFamily="49" charset="0"/>
+              <a:cs typeface="Courier New" panose="02070309020205020404" pitchFamily="49" charset="0"/>
+            </a:endParaRPr>
+          </a:p>
+          <a:p>
+            <a:r>
+              <a:rPr lang="en-US" altLang="ja-JP" sz="1200">
+                <a:solidFill>
+                  <a:schemeClr val="tx1"/>
+                </a:solidFill>
+                <a:latin typeface="Courier New" panose="02070309020205020404" pitchFamily="49" charset="0"/>
+                <a:cs typeface="Courier New" panose="02070309020205020404" pitchFamily="49" charset="0"/>
+              </a:rPr>
+              <a:t> </a:t>
+            </a:r>
+            <a:r>
+              <a:rPr lang="en-US" altLang="ja-JP" sz="1200" smtClean="0">
+                <a:solidFill>
+                  <a:schemeClr val="tx1"/>
+                </a:solidFill>
+                <a:latin typeface="Courier New" panose="02070309020205020404" pitchFamily="49" charset="0"/>
+                <a:cs typeface="Courier New" panose="02070309020205020404" pitchFamily="49" charset="0"/>
+              </a:rPr>
+              <a:t> UDP 4500 </a:t>
+            </a:r>
+            <a:r>
+              <a:rPr lang="en-US" altLang="ja-JP" sz="1200" smtClean="0">
+                <a:solidFill>
+                  <a:schemeClr val="tx1"/>
+                </a:solidFill>
+                <a:latin typeface="Courier New" panose="02070309020205020404" pitchFamily="49" charset="0"/>
+                <a:cs typeface="Courier New" panose="02070309020205020404" pitchFamily="49" charset="0"/>
+              </a:rPr>
+              <a:t>106.180.8.0/24</a:t>
+            </a:r>
+            <a:endParaRPr lang="en-US" altLang="ja-JP" sz="1200">
+              <a:solidFill>
+                <a:srgbClr val="FF0000"/>
+              </a:solidFill>
+              <a:latin typeface="Courier New" panose="02070309020205020404" pitchFamily="49" charset="0"/>
+              <a:cs typeface="Courier New" panose="02070309020205020404" pitchFamily="49" charset="0"/>
+            </a:endParaRPr>
+          </a:p>
+          <a:p>
+            <a:r>
+              <a:rPr lang="en-US" altLang="ja-JP" sz="1200">
+                <a:solidFill>
+                  <a:schemeClr val="tx1"/>
+                </a:solidFill>
+                <a:latin typeface="Courier New" panose="02070309020205020404" pitchFamily="49" charset="0"/>
+                <a:cs typeface="Courier New" panose="02070309020205020404" pitchFamily="49" charset="0"/>
+              </a:rPr>
+              <a:t>outbound</a:t>
+            </a:r>
+          </a:p>
+          <a:p>
+            <a:r>
+              <a:rPr lang="en-US" altLang="ja-JP" sz="1200">
+                <a:solidFill>
+                  <a:schemeClr val="tx1"/>
+                </a:solidFill>
+                <a:latin typeface="Courier New" panose="02070309020205020404" pitchFamily="49" charset="0"/>
+                <a:cs typeface="Courier New" panose="02070309020205020404" pitchFamily="49" charset="0"/>
+              </a:rPr>
+              <a:t>  all </a:t>
+            </a:r>
+            <a:r>
+              <a:rPr lang="en-US" altLang="ja-JP" sz="1200" smtClean="0">
+                <a:solidFill>
+                  <a:schemeClr val="tx1"/>
+                </a:solidFill>
+                <a:latin typeface="Courier New" panose="02070309020205020404" pitchFamily="49" charset="0"/>
+                <a:cs typeface="Courier New" panose="02070309020205020404" pitchFamily="49" charset="0"/>
+              </a:rPr>
+              <a:t>106.180.8.0/24</a:t>
+            </a:r>
+            <a:endParaRPr lang="ja-JP" altLang="en-US" sz="1200">
+              <a:solidFill>
+                <a:schemeClr val="tx1"/>
+              </a:solidFill>
+              <a:latin typeface="Courier New" panose="02070309020205020404" pitchFamily="49" charset="0"/>
+              <a:cs typeface="Courier New" panose="02070309020205020404" pitchFamily="49" charset="0"/>
+            </a:endParaRPr>
+          </a:p>
+        </p:txBody>
+      </p:sp>
+      <p:sp>
+        <p:nvSpPr>
+          <p:cNvPr id="33" name="正方形/長方形 32"/>
+          <p:cNvSpPr/>
+          <p:nvPr/>
+        </p:nvSpPr>
+        <p:spPr>
+          <a:xfrm>
+            <a:off x="3636265" y="3189766"/>
+            <a:ext cx="1778553" cy="843203"/>
+          </a:xfrm>
+          <a:prstGeom prst="rect">
+            <a:avLst/>
+          </a:prstGeom>
+          <a:solidFill>
+            <a:schemeClr val="accent2">
+              <a:lumMod val="20000"/>
+              <a:lumOff val="80000"/>
+            </a:schemeClr>
+          </a:solidFill>
+          <a:ln>
+            <a:solidFill>
+              <a:schemeClr val="tx1"/>
+            </a:solidFill>
+          </a:ln>
+        </p:spPr>
+        <p:style>
+          <a:lnRef idx="2">
+            <a:schemeClr val="accent1">
+              <a:shade val="50000"/>
+            </a:schemeClr>
+          </a:lnRef>
+          <a:fillRef idx="1">
+            <a:schemeClr val="accent1"/>
+          </a:fillRef>
+          <a:effectRef idx="0">
+            <a:schemeClr val="accent1"/>
+          </a:effectRef>
+          <a:fontRef idx="minor">
+            <a:schemeClr val="lt1"/>
+          </a:fontRef>
+        </p:style>
+        <p:txBody>
+          <a:bodyPr rtlCol="0" anchor="t" anchorCtr="0"/>
+          <a:lstStyle/>
+          <a:p>
+            <a:r>
+              <a:rPr lang="en-US" altLang="ja-JP" sz="1200" smtClean="0">
+                <a:solidFill>
+                  <a:schemeClr val="tx1"/>
+                </a:solidFill>
+                <a:latin typeface="Courier New" panose="02070309020205020404" pitchFamily="49" charset="0"/>
+                <a:cs typeface="Courier New" panose="02070309020205020404" pitchFamily="49" charset="0"/>
+              </a:rPr>
+              <a:t>INSTANCE </a:t>
+            </a:r>
+            <a:r>
+              <a:rPr lang="en-US" altLang="ja-JP" sz="1200" smtClean="0">
+                <a:solidFill>
+                  <a:schemeClr val="tx1"/>
+                </a:solidFill>
+                <a:latin typeface="Courier New" panose="02070309020205020404" pitchFamily="49" charset="0"/>
+                <a:cs typeface="Courier New" panose="02070309020205020404" pitchFamily="49" charset="0"/>
+              </a:rPr>
+              <a:t>1</a:t>
+            </a:r>
+            <a:endParaRPr lang="ja-JP" altLang="en-US" sz="1200" b="1">
+              <a:solidFill>
+                <a:schemeClr val="tx1"/>
+              </a:solidFill>
+              <a:latin typeface="Courier New" panose="02070309020205020404" pitchFamily="49" charset="0"/>
+              <a:cs typeface="Courier New" panose="02070309020205020404" pitchFamily="49" charset="0"/>
+            </a:endParaRPr>
+          </a:p>
+        </p:txBody>
+      </p:sp>
+      <p:sp>
+        <p:nvSpPr>
+          <p:cNvPr id="67" name="正方形/長方形 66"/>
+          <p:cNvSpPr/>
+          <p:nvPr/>
+        </p:nvSpPr>
+        <p:spPr>
+          <a:xfrm>
+            <a:off x="3875515" y="3535728"/>
+            <a:ext cx="1265188" cy="391487"/>
+          </a:xfrm>
+          <a:prstGeom prst="rect">
+            <a:avLst/>
+          </a:prstGeom>
+          <a:solidFill>
+            <a:schemeClr val="bg1"/>
+          </a:solidFill>
+          <a:ln>
+            <a:solidFill>
+              <a:schemeClr val="tx1"/>
+            </a:solidFill>
+          </a:ln>
+        </p:spPr>
+        <p:style>
+          <a:lnRef idx="2">
+            <a:schemeClr val="accent1">
+              <a:shade val="50000"/>
+            </a:schemeClr>
+          </a:lnRef>
+          <a:fillRef idx="1">
+            <a:schemeClr val="accent1"/>
+          </a:fillRef>
+          <a:effectRef idx="0">
+            <a:schemeClr val="accent1"/>
+          </a:effectRef>
+          <a:fontRef idx="minor">
+            <a:schemeClr val="lt1"/>
+          </a:fontRef>
+        </p:style>
+        <p:txBody>
+          <a:bodyPr rtlCol="0" anchor="t" anchorCtr="0"/>
+          <a:lstStyle/>
+          <a:p>
+            <a:r>
+              <a:rPr lang="en-US" altLang="ja-JP" sz="1200" smtClean="0">
+                <a:solidFill>
+                  <a:schemeClr val="tx1"/>
+                </a:solidFill>
+                <a:latin typeface="Courier New" panose="02070309020205020404" pitchFamily="49" charset="0"/>
+                <a:cs typeface="Courier New" panose="02070309020205020404" pitchFamily="49" charset="0"/>
+              </a:rPr>
+              <a:t>VPN server </a:t>
+            </a:r>
+            <a:endParaRPr lang="en-US" altLang="ja-JP" sz="1200">
+              <a:solidFill>
+                <a:schemeClr val="tx1"/>
+              </a:solidFill>
+              <a:latin typeface="Courier New" panose="02070309020205020404" pitchFamily="49" charset="0"/>
+              <a:cs typeface="Courier New" panose="02070309020205020404" pitchFamily="49" charset="0"/>
+            </a:endParaRPr>
+          </a:p>
+        </p:txBody>
+      </p:sp>
+      <p:cxnSp>
+        <p:nvCxnSpPr>
+          <p:cNvPr id="79" name="カギ線コネクタ 78"/>
+          <p:cNvCxnSpPr>
+            <a:stCxn id="30" idx="1"/>
+            <a:endCxn id="33" idx="3"/>
+          </p:cNvCxnSpPr>
+          <p:nvPr/>
+        </p:nvCxnSpPr>
+        <p:spPr>
+          <a:xfrm rot="10800000" flipV="1">
+            <a:off x="5414818" y="3413594"/>
+            <a:ext cx="340744" cy="197773"/>
+          </a:xfrm>
+          <a:prstGeom prst="bentConnector3">
+            <a:avLst>
+              <a:gd name="adj1" fmla="val 50000"/>
+            </a:avLst>
+          </a:prstGeom>
+          <a:ln>
+            <a:solidFill>
+              <a:schemeClr val="tx1"/>
+            </a:solidFill>
+            <a:prstDash val="dash"/>
+          </a:ln>
+        </p:spPr>
+        <p:style>
+          <a:lnRef idx="1">
+            <a:schemeClr val="accent1"/>
+          </a:lnRef>
+          <a:fillRef idx="0">
+            <a:schemeClr val="accent1"/>
+          </a:fillRef>
+          <a:effectRef idx="0">
+            <a:schemeClr val="accent1"/>
+          </a:effectRef>
+          <a:fontRef idx="minor">
+            <a:schemeClr val="tx1"/>
+          </a:fontRef>
+        </p:style>
+      </p:cxnSp>
+      <p:cxnSp>
+        <p:nvCxnSpPr>
+          <p:cNvPr id="83" name="カギ線コネクタ 82"/>
+          <p:cNvCxnSpPr>
+            <a:stCxn id="33" idx="2"/>
+            <a:endCxn id="169" idx="0"/>
+          </p:cNvCxnSpPr>
+          <p:nvPr/>
+        </p:nvCxnSpPr>
+        <p:spPr>
+          <a:xfrm rot="16200000" flipH="1">
+            <a:off x="4433169" y="4125341"/>
+            <a:ext cx="412994" cy="228249"/>
+          </a:xfrm>
+          <a:prstGeom prst="bentConnector3">
+            <a:avLst>
+              <a:gd name="adj1" fmla="val 50000"/>
+            </a:avLst>
+          </a:prstGeom>
+          <a:ln>
+            <a:solidFill>
+              <a:schemeClr val="tx1"/>
+            </a:solidFill>
+            <a:prstDash val="solid"/>
+          </a:ln>
+        </p:spPr>
+        <p:style>
+          <a:lnRef idx="1">
+            <a:schemeClr val="accent1"/>
+          </a:lnRef>
+          <a:fillRef idx="0">
+            <a:schemeClr val="accent1"/>
+          </a:fillRef>
+          <a:effectRef idx="0">
+            <a:schemeClr val="accent1"/>
+          </a:effectRef>
+          <a:fontRef idx="minor">
+            <a:schemeClr val="tx1"/>
+          </a:fontRef>
+        </p:style>
+      </p:cxnSp>
+      <p:sp>
+        <p:nvSpPr>
+          <p:cNvPr id="87" name="正方形/長方形 86"/>
+          <p:cNvSpPr/>
+          <p:nvPr/>
+        </p:nvSpPr>
+        <p:spPr>
+          <a:xfrm>
+            <a:off x="210680" y="2977116"/>
+            <a:ext cx="1494081" cy="328039"/>
+          </a:xfrm>
+          <a:prstGeom prst="rect">
+            <a:avLst/>
+          </a:prstGeom>
+          <a:solidFill>
+            <a:schemeClr val="accent2">
+              <a:lumMod val="20000"/>
+              <a:lumOff val="80000"/>
+            </a:schemeClr>
+          </a:solidFill>
+          <a:ln>
+            <a:solidFill>
+              <a:schemeClr val="tx1"/>
+            </a:solidFill>
+          </a:ln>
+        </p:spPr>
+        <p:style>
+          <a:lnRef idx="2">
+            <a:schemeClr val="accent1">
+              <a:shade val="50000"/>
+            </a:schemeClr>
+          </a:lnRef>
+          <a:fillRef idx="1">
+            <a:schemeClr val="accent1"/>
+          </a:fillRef>
+          <a:effectRef idx="0">
+            <a:schemeClr val="accent1"/>
+          </a:effectRef>
+          <a:fontRef idx="minor">
+            <a:schemeClr val="lt1"/>
+          </a:fontRef>
+        </p:style>
+        <p:txBody>
+          <a:bodyPr rtlCol="0" anchor="t" anchorCtr="0"/>
+          <a:lstStyle/>
+          <a:p>
+            <a:r>
+              <a:rPr lang="en-US" altLang="ja-JP" sz="1200">
+                <a:solidFill>
+                  <a:schemeClr val="tx1"/>
+                </a:solidFill>
+                <a:latin typeface="Courier New" panose="02070309020205020404" pitchFamily="49" charset="0"/>
+                <a:cs typeface="Courier New" panose="02070309020205020404" pitchFamily="49" charset="0"/>
+              </a:rPr>
+              <a:t>LOCAL</a:t>
+            </a:r>
+            <a:r>
+              <a:rPr lang="ja-JP" altLang="en-US" sz="1200">
+                <a:solidFill>
+                  <a:schemeClr val="tx1"/>
+                </a:solidFill>
+                <a:latin typeface="Courier New" panose="02070309020205020404" pitchFamily="49" charset="0"/>
+                <a:cs typeface="Courier New" panose="02070309020205020404" pitchFamily="49" charset="0"/>
+              </a:rPr>
+              <a:t> </a:t>
+            </a:r>
+            <a:r>
+              <a:rPr lang="en-US" altLang="ja-JP" sz="1200" smtClean="0">
+                <a:solidFill>
+                  <a:schemeClr val="tx1"/>
+                </a:solidFill>
+                <a:latin typeface="Courier New" panose="02070309020205020404" pitchFamily="49" charset="0"/>
+                <a:cs typeface="Courier New" panose="02070309020205020404" pitchFamily="49" charset="0"/>
+              </a:rPr>
+              <a:t>MACHINE</a:t>
+            </a:r>
+            <a:endParaRPr lang="ja-JP" altLang="en-US" sz="1200" b="1">
+              <a:solidFill>
+                <a:schemeClr val="tx1"/>
+              </a:solidFill>
+              <a:latin typeface="Courier New" panose="02070309020205020404" pitchFamily="49" charset="0"/>
+              <a:cs typeface="Courier New" panose="02070309020205020404" pitchFamily="49" charset="0"/>
+            </a:endParaRPr>
+          </a:p>
+        </p:txBody>
+      </p:sp>
+      <p:sp>
+        <p:nvSpPr>
+          <p:cNvPr id="88" name="雲 87"/>
+          <p:cNvSpPr/>
+          <p:nvPr/>
+        </p:nvSpPr>
+        <p:spPr>
+          <a:xfrm>
+            <a:off x="210680" y="4312483"/>
+            <a:ext cx="1495327" cy="810705"/>
+          </a:xfrm>
+          <a:prstGeom prst="cloud">
+            <a:avLst/>
+          </a:prstGeom>
+          <a:noFill/>
+          <a:ln>
+            <a:solidFill>
+              <a:schemeClr val="tx1"/>
+            </a:solidFill>
+          </a:ln>
+        </p:spPr>
+        <p:style>
+          <a:lnRef idx="2">
+            <a:schemeClr val="accent1">
+              <a:shade val="50000"/>
+            </a:schemeClr>
+          </a:lnRef>
+          <a:fillRef idx="1">
+            <a:schemeClr val="accent1"/>
+          </a:fillRef>
+          <a:effectRef idx="0">
+            <a:schemeClr val="accent1"/>
+          </a:effectRef>
+          <a:fontRef idx="minor">
+            <a:schemeClr val="lt1"/>
+          </a:fontRef>
+        </p:style>
+        <p:txBody>
+          <a:bodyPr rtlCol="0" anchor="ctr" anchorCtr="0"/>
+          <a:lstStyle/>
+          <a:p>
+            <a:r>
+              <a:rPr lang="en-US" altLang="ja-JP" sz="1200">
+                <a:solidFill>
+                  <a:schemeClr val="tx1"/>
+                </a:solidFill>
+                <a:latin typeface="Courier New" panose="02070309020205020404" pitchFamily="49" charset="0"/>
+                <a:cs typeface="Courier New" panose="02070309020205020404" pitchFamily="49" charset="0"/>
+              </a:rPr>
+              <a:t>internet</a:t>
+            </a:r>
+            <a:endParaRPr lang="ja-JP" altLang="en-US" sz="1200">
+              <a:solidFill>
+                <a:schemeClr val="tx1"/>
+              </a:solidFill>
+              <a:latin typeface="Courier New" panose="02070309020205020404" pitchFamily="49" charset="0"/>
+              <a:cs typeface="Courier New" panose="02070309020205020404" pitchFamily="49" charset="0"/>
+            </a:endParaRPr>
+          </a:p>
+        </p:txBody>
+      </p:sp>
+      <p:cxnSp>
+        <p:nvCxnSpPr>
+          <p:cNvPr id="89" name="カギ線コネクタ 88"/>
+          <p:cNvCxnSpPr>
+            <a:stCxn id="184" idx="1"/>
+            <a:endCxn id="87" idx="2"/>
+          </p:cNvCxnSpPr>
+          <p:nvPr/>
+        </p:nvCxnSpPr>
+        <p:spPr>
+          <a:xfrm rot="10800000">
+            <a:off x="957721" y="3305155"/>
+            <a:ext cx="1168766" cy="1301986"/>
+          </a:xfrm>
+          <a:prstGeom prst="bentConnector2">
+            <a:avLst/>
+          </a:prstGeom>
+          <a:ln w="76200">
+            <a:solidFill>
+              <a:srgbClr val="66CCFF">
+                <a:alpha val="50196"/>
+              </a:srgbClr>
+            </a:solidFill>
+            <a:prstDash val="solid"/>
+          </a:ln>
+        </p:spPr>
+        <p:style>
+          <a:lnRef idx="1">
+            <a:schemeClr val="accent1"/>
+          </a:lnRef>
+          <a:fillRef idx="0">
+            <a:schemeClr val="accent1"/>
+          </a:fillRef>
+          <a:effectRef idx="0">
+            <a:schemeClr val="accent1"/>
+          </a:effectRef>
+          <a:fontRef idx="minor">
+            <a:schemeClr val="tx1"/>
+          </a:fontRef>
+        </p:style>
+      </p:cxnSp>
+      <p:sp>
+        <p:nvSpPr>
+          <p:cNvPr id="90" name="正方形/長方形 89"/>
+          <p:cNvSpPr/>
+          <p:nvPr/>
+        </p:nvSpPr>
+        <p:spPr>
+          <a:xfrm>
+            <a:off x="1026980" y="3492224"/>
+            <a:ext cx="1285361" cy="446122"/>
+          </a:xfrm>
+          <a:prstGeom prst="rect">
+            <a:avLst/>
+          </a:prstGeom>
+          <a:noFill/>
+          <a:ln>
+            <a:noFill/>
+          </a:ln>
+        </p:spPr>
+        <p:style>
+          <a:lnRef idx="2">
+            <a:schemeClr val="accent1">
+              <a:shade val="50000"/>
+            </a:schemeClr>
+          </a:lnRef>
+          <a:fillRef idx="1">
+            <a:schemeClr val="accent1"/>
+          </a:fillRef>
+          <a:effectRef idx="0">
+            <a:schemeClr val="accent1"/>
+          </a:effectRef>
+          <a:fontRef idx="minor">
+            <a:schemeClr val="lt1"/>
+          </a:fontRef>
+        </p:style>
+        <p:txBody>
+          <a:bodyPr rtlCol="0" anchor="t" anchorCtr="0"/>
+          <a:lstStyle/>
+          <a:p>
+            <a:r>
+              <a:rPr lang="en-US" altLang="ja-JP" sz="1200" smtClean="0">
+                <a:solidFill>
+                  <a:schemeClr val="accent1"/>
+                </a:solidFill>
+                <a:latin typeface="Courier New" panose="02070309020205020404" pitchFamily="49" charset="0"/>
+                <a:cs typeface="Courier New" panose="02070309020205020404" pitchFamily="49" charset="0"/>
+              </a:rPr>
+              <a:t>L2TP</a:t>
+            </a:r>
+          </a:p>
+          <a:p>
+            <a:r>
+              <a:rPr lang="en-US" altLang="ja-JP" sz="1200" smtClean="0">
+                <a:solidFill>
+                  <a:schemeClr val="accent1"/>
+                </a:solidFill>
+                <a:latin typeface="Courier New" panose="02070309020205020404" pitchFamily="49" charset="0"/>
+                <a:cs typeface="Courier New" panose="02070309020205020404" pitchFamily="49" charset="0"/>
+              </a:rPr>
+              <a:t>VPN session</a:t>
+            </a:r>
+            <a:endParaRPr lang="ja-JP" altLang="en-US" sz="1200">
+              <a:solidFill>
+                <a:schemeClr val="accent1"/>
+              </a:solidFill>
+              <a:latin typeface="Courier New" panose="02070309020205020404" pitchFamily="49" charset="0"/>
+              <a:cs typeface="Courier New" panose="02070309020205020404" pitchFamily="49" charset="0"/>
+            </a:endParaRPr>
+          </a:p>
+        </p:txBody>
+      </p:sp>
+      <p:cxnSp>
+        <p:nvCxnSpPr>
+          <p:cNvPr id="92" name="カギ線コネクタ 91"/>
+          <p:cNvCxnSpPr>
+            <a:stCxn id="87" idx="2"/>
+            <a:endCxn id="88" idx="3"/>
+          </p:cNvCxnSpPr>
+          <p:nvPr/>
+        </p:nvCxnSpPr>
+        <p:spPr>
+          <a:xfrm rot="16200000" flipH="1">
+            <a:off x="431192" y="3831683"/>
+            <a:ext cx="1053681" cy="623"/>
+          </a:xfrm>
+          <a:prstGeom prst="bentConnector3">
+            <a:avLst>
+              <a:gd name="adj1" fmla="val 50000"/>
+            </a:avLst>
+          </a:prstGeom>
+          <a:ln>
+            <a:solidFill>
+              <a:schemeClr val="tx1"/>
+            </a:solidFill>
+            <a:prstDash val="solid"/>
+          </a:ln>
+        </p:spPr>
+        <p:style>
+          <a:lnRef idx="1">
+            <a:schemeClr val="accent1"/>
+          </a:lnRef>
+          <a:fillRef idx="0">
+            <a:schemeClr val="accent1"/>
+          </a:fillRef>
+          <a:effectRef idx="0">
+            <a:schemeClr val="accent1"/>
+          </a:effectRef>
+          <a:fontRef idx="minor">
+            <a:schemeClr val="tx1"/>
+          </a:fontRef>
+        </p:style>
+      </p:cxnSp>
+      <p:cxnSp>
+        <p:nvCxnSpPr>
+          <p:cNvPr id="95" name="カギ線コネクタ 94"/>
+          <p:cNvCxnSpPr>
+            <a:stCxn id="88" idx="0"/>
+            <a:endCxn id="184" idx="1"/>
+          </p:cNvCxnSpPr>
+          <p:nvPr/>
+        </p:nvCxnSpPr>
+        <p:spPr>
+          <a:xfrm flipV="1">
+            <a:off x="1704761" y="4607141"/>
+            <a:ext cx="421726" cy="110695"/>
+          </a:xfrm>
+          <a:prstGeom prst="bentConnector3">
+            <a:avLst>
+              <a:gd name="adj1" fmla="val 50000"/>
+            </a:avLst>
+          </a:prstGeom>
+          <a:ln>
+            <a:solidFill>
+              <a:schemeClr val="tx1"/>
+            </a:solidFill>
+            <a:prstDash val="solid"/>
+          </a:ln>
+        </p:spPr>
+        <p:style>
+          <a:lnRef idx="1">
+            <a:schemeClr val="accent1"/>
+          </a:lnRef>
+          <a:fillRef idx="0">
+            <a:schemeClr val="accent1"/>
+          </a:fillRef>
+          <a:effectRef idx="0">
+            <a:schemeClr val="accent1"/>
+          </a:effectRef>
+          <a:fontRef idx="minor">
+            <a:schemeClr val="tx1"/>
+          </a:fontRef>
+        </p:style>
+      </p:cxnSp>
+      <p:cxnSp>
+        <p:nvCxnSpPr>
+          <p:cNvPr id="103" name="カギ線コネクタ 102"/>
+          <p:cNvCxnSpPr>
+            <a:stCxn id="184" idx="3"/>
+            <a:endCxn id="67" idx="2"/>
+          </p:cNvCxnSpPr>
+          <p:nvPr/>
+        </p:nvCxnSpPr>
+        <p:spPr>
+          <a:xfrm flipV="1">
+            <a:off x="3126734" y="3927215"/>
+            <a:ext cx="1381375" cy="679926"/>
+          </a:xfrm>
+          <a:prstGeom prst="bentConnector2">
+            <a:avLst/>
+          </a:prstGeom>
+          <a:ln w="76200">
+            <a:solidFill>
+              <a:srgbClr val="66CCFF">
+                <a:alpha val="50196"/>
+              </a:srgbClr>
+            </a:solidFill>
+            <a:prstDash val="solid"/>
+          </a:ln>
+        </p:spPr>
+        <p:style>
+          <a:lnRef idx="1">
+            <a:schemeClr val="accent1"/>
+          </a:lnRef>
+          <a:fillRef idx="0">
+            <a:schemeClr val="accent1"/>
+          </a:fillRef>
+          <a:effectRef idx="0">
+            <a:schemeClr val="accent1"/>
+          </a:effectRef>
+          <a:fontRef idx="minor">
+            <a:schemeClr val="tx1"/>
+          </a:fontRef>
+        </p:style>
+      </p:cxnSp>
+      <p:sp>
+        <p:nvSpPr>
+          <p:cNvPr id="119" name="四角形吹き出し 118"/>
+          <p:cNvSpPr/>
+          <p:nvPr/>
+        </p:nvSpPr>
+        <p:spPr>
+          <a:xfrm>
+            <a:off x="403882" y="2061593"/>
+            <a:ext cx="1671047" cy="730750"/>
+          </a:xfrm>
+          <a:prstGeom prst="wedgeRectCallout">
+            <a:avLst/>
+          </a:prstGeom>
+          <a:solidFill>
+            <a:srgbClr val="000000">
+              <a:alpha val="69804"/>
+            </a:srgbClr>
+          </a:solidFill>
+          <a:ln>
+            <a:solidFill>
+              <a:schemeClr val="tx1"/>
+            </a:solidFill>
+          </a:ln>
+        </p:spPr>
+        <p:style>
+          <a:lnRef idx="2">
+            <a:schemeClr val="accent1">
+              <a:shade val="50000"/>
+            </a:schemeClr>
+          </a:lnRef>
+          <a:fillRef idx="1">
+            <a:schemeClr val="accent1"/>
+          </a:fillRef>
+          <a:effectRef idx="0">
+            <a:schemeClr val="accent1"/>
+          </a:effectRef>
+          <a:fontRef idx="minor">
+            <a:schemeClr val="lt1"/>
+          </a:fontRef>
+        </p:style>
+        <p:txBody>
+          <a:bodyPr rtlCol="0" anchor="t" anchorCtr="0"/>
+          <a:lstStyle/>
+          <a:p>
+            <a:r>
+              <a:rPr lang="en-US" altLang="ja-JP" sz="1200" smtClean="0">
+                <a:solidFill>
+                  <a:schemeClr val="bg1"/>
+                </a:solidFill>
+                <a:latin typeface="Courier New" panose="02070309020205020404" pitchFamily="49" charset="0"/>
+                <a:cs typeface="Courier New" panose="02070309020205020404" pitchFamily="49" charset="0"/>
+              </a:rPr>
+              <a:t>$ aws s3 cp \</a:t>
+            </a:r>
+          </a:p>
+          <a:p>
+            <a:r>
+              <a:rPr lang="en-US" altLang="ja-JP" sz="1200" smtClean="0">
+                <a:solidFill>
+                  <a:schemeClr val="bg1"/>
+                </a:solidFill>
+                <a:latin typeface="Courier New" panose="02070309020205020404" pitchFamily="49" charset="0"/>
+                <a:cs typeface="Courier New" panose="02070309020205020404" pitchFamily="49" charset="0"/>
+              </a:rPr>
+              <a:t> </a:t>
+            </a:r>
+            <a:r>
+              <a:rPr lang="en-US" altLang="ja-JP" sz="1200" smtClean="0">
+                <a:solidFill>
+                  <a:schemeClr val="bg1"/>
+                </a:solidFill>
+                <a:latin typeface="Courier New" panose="02070309020205020404" pitchFamily="49" charset="0"/>
+                <a:cs typeface="Courier New" panose="02070309020205020404" pitchFamily="49" charset="0"/>
+              </a:rPr>
+              <a:t>/path/to/file \</a:t>
+            </a:r>
+            <a:endParaRPr lang="en-US" altLang="ja-JP" sz="1200" smtClean="0">
+              <a:solidFill>
+                <a:schemeClr val="bg1"/>
+              </a:solidFill>
+              <a:latin typeface="Courier New" panose="02070309020205020404" pitchFamily="49" charset="0"/>
+              <a:cs typeface="Courier New" panose="02070309020205020404" pitchFamily="49" charset="0"/>
+            </a:endParaRPr>
+          </a:p>
+          <a:p>
+            <a:r>
+              <a:rPr lang="en-US" altLang="ja-JP" sz="1200" smtClean="0">
+                <a:solidFill>
+                  <a:schemeClr val="bg1"/>
+                </a:solidFill>
+                <a:latin typeface="Courier New" panose="02070309020205020404" pitchFamily="49" charset="0"/>
+                <a:cs typeface="Courier New" panose="02070309020205020404" pitchFamily="49" charset="0"/>
+              </a:rPr>
+              <a:t> s3</a:t>
+            </a:r>
+            <a:r>
+              <a:rPr lang="en-US" altLang="ja-JP" sz="1200" smtClean="0">
+                <a:solidFill>
+                  <a:schemeClr val="bg1"/>
+                </a:solidFill>
+                <a:latin typeface="Courier New" panose="02070309020205020404" pitchFamily="49" charset="0"/>
+                <a:cs typeface="Courier New" panose="02070309020205020404" pitchFamily="49" charset="0"/>
+              </a:rPr>
+              <a:t>://xxx/</a:t>
+            </a:r>
+            <a:endParaRPr lang="en-US" altLang="ja-JP" sz="1200" smtClean="0">
+              <a:solidFill>
+                <a:schemeClr val="bg1"/>
+              </a:solidFill>
+              <a:latin typeface="Courier New" panose="02070309020205020404" pitchFamily="49" charset="0"/>
+              <a:cs typeface="Courier New" panose="02070309020205020404" pitchFamily="49" charset="0"/>
+            </a:endParaRPr>
+          </a:p>
+        </p:txBody>
+      </p:sp>
+    </p:spTree>
+    <p:extLst>
+      <p:ext uri="{BB962C8B-B14F-4D97-AF65-F5344CB8AC3E}">
+        <p14:creationId xmlns:p14="http://schemas.microsoft.com/office/powerpoint/2010/main" val="101290123"/>
       </p:ext>
     </p:extLst>
   </p:cSld>

--- a/img/VPC構成.pptx
+++ b/img/VPC構成.pptx
@@ -3493,17 +3493,7 @@
                 <a:latin typeface="Courier New" panose="02070309020205020404" pitchFamily="49" charset="0"/>
                 <a:cs typeface="Courier New" panose="02070309020205020404" pitchFamily="49" charset="0"/>
               </a:rPr>
-              <a:t>  </a:t>
-            </a:r>
-            <a:r>
-              <a:rPr lang="en-US" altLang="ja-JP" sz="1200" smtClean="0">
-                <a:solidFill>
-                  <a:schemeClr val="tx1"/>
-                </a:solidFill>
-                <a:latin typeface="Courier New" panose="02070309020205020404" pitchFamily="49" charset="0"/>
-                <a:cs typeface="Courier New" panose="02070309020205020404" pitchFamily="49" charset="0"/>
-              </a:rPr>
-              <a:t>22 </a:t>
+              <a:t>  22 </a:t>
             </a:r>
             <a:r>
               <a:rPr lang="en-US" altLang="ja-JP" sz="1200">
@@ -4686,13 +4676,6 @@
               </a:rPr>
               <a:t>inbound</a:t>
             </a:r>
-            <a:endParaRPr lang="en-US" altLang="ja-JP" sz="1200" smtClean="0">
-              <a:solidFill>
-                <a:schemeClr val="tx1"/>
-              </a:solidFill>
-              <a:latin typeface="Courier New" panose="02070309020205020404" pitchFamily="49" charset="0"/>
-              <a:cs typeface="Courier New" panose="02070309020205020404" pitchFamily="49" charset="0"/>
-            </a:endParaRPr>
           </a:p>
           <a:p>
             <a:r>
@@ -5218,17 +5201,7 @@
                 <a:latin typeface="Courier New" panose="02070309020205020404" pitchFamily="49" charset="0"/>
                 <a:cs typeface="Courier New" panose="02070309020205020404" pitchFamily="49" charset="0"/>
               </a:rPr>
-              <a:t>subnet-public </a:t>
-            </a:r>
-            <a:r>
-              <a:rPr lang="en-US" altLang="ja-JP" sz="1200" smtClean="0">
-                <a:solidFill>
-                  <a:schemeClr val="tx1"/>
-                </a:solidFill>
-                <a:latin typeface="Courier New" panose="02070309020205020404" pitchFamily="49" charset="0"/>
-                <a:cs typeface="Courier New" panose="02070309020205020404" pitchFamily="49" charset="0"/>
-              </a:rPr>
-              <a:t>10.0.0.0/20</a:t>
+              <a:t>subnet-public 10.0.0.0/20</a:t>
             </a:r>
             <a:endParaRPr lang="ja-JP" altLang="en-US" sz="1200">
               <a:solidFill>
@@ -5493,11 +5466,7 @@
             </a:r>
             <a:r>
               <a:rPr kumimoji="1" lang="ja-JP" altLang="en-US" smtClean="0"/>
-              <a:t>利用</a:t>
-            </a:r>
-            <a:r>
-              <a:rPr kumimoji="1" lang="ja-JP" altLang="en-US" smtClean="0"/>
-              <a:t>時</a:t>
+              <a:t>利用時</a:t>
             </a:r>
             <a:endParaRPr kumimoji="1" lang="ja-JP" altLang="en-US"/>
           </a:p>
@@ -5748,7 +5717,19 @@
                 <a:latin typeface="Courier New" panose="02070309020205020404" pitchFamily="49" charset="0"/>
                 <a:cs typeface="Courier New" panose="02070309020205020404" pitchFamily="49" charset="0"/>
               </a:rPr>
-              <a:t>  </a:t>
+              <a:t>  TCP 443  106.180.8.0/24</a:t>
+            </a:r>
+          </a:p>
+          <a:p>
+            <a:r>
+              <a:rPr lang="en-US" altLang="ja-JP" sz="1200">
+                <a:solidFill>
+                  <a:schemeClr val="tx1"/>
+                </a:solidFill>
+                <a:latin typeface="Courier New" panose="02070309020205020404" pitchFamily="49" charset="0"/>
+                <a:cs typeface="Courier New" panose="02070309020205020404" pitchFamily="49" charset="0"/>
+              </a:rPr>
+              <a:t> </a:t>
             </a:r>
             <a:r>
               <a:rPr lang="en-US" altLang="ja-JP" sz="1200" smtClean="0">
@@ -5758,7 +5739,19 @@
                 <a:latin typeface="Courier New" panose="02070309020205020404" pitchFamily="49" charset="0"/>
                 <a:cs typeface="Courier New" panose="02070309020205020404" pitchFamily="49" charset="0"/>
               </a:rPr>
-              <a:t>TCP 443  </a:t>
+              <a:t> UDP 500  106.180.8.0/24</a:t>
+            </a:r>
+          </a:p>
+          <a:p>
+            <a:r>
+              <a:rPr lang="en-US" altLang="ja-JP" sz="1200">
+                <a:solidFill>
+                  <a:schemeClr val="tx1"/>
+                </a:solidFill>
+                <a:latin typeface="Courier New" panose="02070309020205020404" pitchFamily="49" charset="0"/>
+                <a:cs typeface="Courier New" panose="02070309020205020404" pitchFamily="49" charset="0"/>
+              </a:rPr>
+              <a:t> </a:t>
             </a:r>
             <a:r>
               <a:rPr lang="en-US" altLang="ja-JP" sz="1200" smtClean="0">
@@ -5768,85 +5761,7 @@
                 <a:latin typeface="Courier New" panose="02070309020205020404" pitchFamily="49" charset="0"/>
                 <a:cs typeface="Courier New" panose="02070309020205020404" pitchFamily="49" charset="0"/>
               </a:rPr>
-              <a:t>106.180.8.0/24</a:t>
-            </a:r>
-            <a:endParaRPr lang="en-US" altLang="ja-JP" sz="1200" smtClean="0">
-              <a:solidFill>
-                <a:schemeClr val="tx1"/>
-              </a:solidFill>
-              <a:latin typeface="Courier New" panose="02070309020205020404" pitchFamily="49" charset="0"/>
-              <a:cs typeface="Courier New" panose="02070309020205020404" pitchFamily="49" charset="0"/>
-            </a:endParaRPr>
-          </a:p>
-          <a:p>
-            <a:r>
-              <a:rPr lang="en-US" altLang="ja-JP" sz="1200">
-                <a:solidFill>
-                  <a:schemeClr val="tx1"/>
-                </a:solidFill>
-                <a:latin typeface="Courier New" panose="02070309020205020404" pitchFamily="49" charset="0"/>
-                <a:cs typeface="Courier New" panose="02070309020205020404" pitchFamily="49" charset="0"/>
-              </a:rPr>
-              <a:t> </a:t>
-            </a:r>
-            <a:r>
-              <a:rPr lang="en-US" altLang="ja-JP" sz="1200" smtClean="0">
-                <a:solidFill>
-                  <a:schemeClr val="tx1"/>
-                </a:solidFill>
-                <a:latin typeface="Courier New" panose="02070309020205020404" pitchFamily="49" charset="0"/>
-                <a:cs typeface="Courier New" panose="02070309020205020404" pitchFamily="49" charset="0"/>
-              </a:rPr>
-              <a:t> UDP 500  </a:t>
-            </a:r>
-            <a:r>
-              <a:rPr lang="en-US" altLang="ja-JP" sz="1200" smtClean="0">
-                <a:solidFill>
-                  <a:schemeClr val="tx1"/>
-                </a:solidFill>
-                <a:latin typeface="Courier New" panose="02070309020205020404" pitchFamily="49" charset="0"/>
-                <a:cs typeface="Courier New" panose="02070309020205020404" pitchFamily="49" charset="0"/>
-              </a:rPr>
-              <a:t>106.180.8.0/24</a:t>
-            </a:r>
-            <a:endParaRPr lang="en-US" altLang="ja-JP" sz="1200" smtClean="0">
-              <a:solidFill>
-                <a:schemeClr val="tx1"/>
-              </a:solidFill>
-              <a:latin typeface="Courier New" panose="02070309020205020404" pitchFamily="49" charset="0"/>
-              <a:cs typeface="Courier New" panose="02070309020205020404" pitchFamily="49" charset="0"/>
-            </a:endParaRPr>
-          </a:p>
-          <a:p>
-            <a:r>
-              <a:rPr lang="en-US" altLang="ja-JP" sz="1200">
-                <a:solidFill>
-                  <a:schemeClr val="tx1"/>
-                </a:solidFill>
-                <a:latin typeface="Courier New" panose="02070309020205020404" pitchFamily="49" charset="0"/>
-                <a:cs typeface="Courier New" panose="02070309020205020404" pitchFamily="49" charset="0"/>
-              </a:rPr>
-              <a:t> </a:t>
-            </a:r>
-            <a:r>
-              <a:rPr lang="en-US" altLang="ja-JP" sz="1200" smtClean="0">
-                <a:solidFill>
-                  <a:schemeClr val="tx1"/>
-                </a:solidFill>
-                <a:latin typeface="Courier New" panose="02070309020205020404" pitchFamily="49" charset="0"/>
-                <a:cs typeface="Courier New" panose="02070309020205020404" pitchFamily="49" charset="0"/>
-              </a:rPr>
-              <a:t> UDP 4500 </a:t>
-            </a:r>
-            <a:r>
-              <a:rPr lang="en-US" altLang="ja-JP" sz="1200" smtClean="0">
-                <a:solidFill>
-                  <a:schemeClr val="tx1"/>
-                </a:solidFill>
-                <a:latin typeface="Courier New" panose="02070309020205020404" pitchFamily="49" charset="0"/>
-                <a:cs typeface="Courier New" panose="02070309020205020404" pitchFamily="49" charset="0"/>
-              </a:rPr>
-              <a:t>106.180.8.0/24</a:t>
+              <a:t> UDP 4500 106.180.8.0/24</a:t>
             </a:r>
             <a:endParaRPr lang="en-US" altLang="ja-JP" sz="1200">
               <a:solidFill>
@@ -5913,12 +5828,7 @@
           <a:prstGeom prst="rect">
             <a:avLst/>
           </a:prstGeom>
-          <a:solidFill>
-            <a:schemeClr val="accent2">
-              <a:lumMod val="20000"/>
-              <a:lumOff val="80000"/>
-            </a:schemeClr>
-          </a:solidFill>
+          <a:noFill/>
           <a:ln>
             <a:solidFill>
               <a:schemeClr val="tx1"/>
@@ -5953,17 +5863,7 @@
                 <a:latin typeface="Courier New" panose="02070309020205020404" pitchFamily="49" charset="0"/>
                 <a:cs typeface="Courier New" panose="02070309020205020404" pitchFamily="49" charset="0"/>
               </a:rPr>
-              <a:t>INSTANCE </a:t>
-            </a:r>
-            <a:r>
-              <a:rPr lang="en-US" altLang="ja-JP" sz="1200" smtClean="0">
-                <a:solidFill>
-                  <a:schemeClr val="tx1"/>
-                </a:solidFill>
-                <a:latin typeface="Courier New" panose="02070309020205020404" pitchFamily="49" charset="0"/>
-                <a:cs typeface="Courier New" panose="02070309020205020404" pitchFamily="49" charset="0"/>
-              </a:rPr>
-              <a:t>1</a:t>
+              <a:t>INSTANCE 1</a:t>
             </a:r>
             <a:endParaRPr lang="ja-JP" altLang="en-US" sz="1200" b="1">
               <a:solidFill>
@@ -6128,18 +6028,13 @@
         </p:nvSpPr>
         <p:spPr>
           <a:xfrm>
-            <a:off x="210680" y="2977116"/>
+            <a:off x="210680" y="3331531"/>
             <a:ext cx="1494081" cy="328039"/>
           </a:xfrm>
           <a:prstGeom prst="rect">
             <a:avLst/>
           </a:prstGeom>
-          <a:solidFill>
-            <a:schemeClr val="accent2">
-              <a:lumMod val="20000"/>
-              <a:lumOff val="80000"/>
-            </a:schemeClr>
-          </a:solidFill>
+          <a:noFill/>
           <a:ln>
             <a:solidFill>
               <a:schemeClr val="tx1"/>
@@ -6278,8 +6173,8 @@
         </p:nvCxnSpPr>
         <p:spPr>
           <a:xfrm rot="10800000">
-            <a:off x="957721" y="3305155"/>
-            <a:ext cx="1168766" cy="1301986"/>
+            <a:off x="957721" y="3659571"/>
+            <a:ext cx="1168766" cy="947571"/>
           </a:xfrm>
           <a:prstGeom prst="bentConnector2">
             <a:avLst/>
@@ -6316,7 +6211,7 @@
         </p:nvSpPr>
         <p:spPr>
           <a:xfrm>
-            <a:off x="1026980" y="3492224"/>
+            <a:off x="1026980" y="3775759"/>
             <a:ext cx="1285361" cy="446122"/>
           </a:xfrm>
           <a:prstGeom prst="rect">
@@ -6390,8 +6285,8 @@
         </p:nvCxnSpPr>
         <p:spPr>
           <a:xfrm rot="16200000" flipH="1">
-            <a:off x="431192" y="3831683"/>
-            <a:ext cx="1053681" cy="623"/>
+            <a:off x="608399" y="4008891"/>
+            <a:ext cx="699266" cy="623"/>
           </a:xfrm>
           <a:prstGeom prst="bentConnector3">
             <a:avLst>
@@ -6510,17 +6405,13 @@
         </p:nvSpPr>
         <p:spPr>
           <a:xfrm>
-            <a:off x="403882" y="2061593"/>
-            <a:ext cx="1671047" cy="730750"/>
+            <a:off x="396853" y="2459016"/>
+            <a:ext cx="1729634" cy="730750"/>
           </a:xfrm>
           <a:prstGeom prst="wedgeRectCallout">
             <a:avLst/>
           </a:prstGeom>
-          <a:solidFill>
-            <a:srgbClr val="000000">
-              <a:alpha val="69804"/>
-            </a:srgbClr>
-          </a:solidFill>
+          <a:noFill/>
           <a:ln>
             <a:solidFill>
               <a:schemeClr val="tx1"/>
@@ -6550,71 +6441,87 @@
             <a:r>
               <a:rPr lang="en-US" altLang="ja-JP" sz="1200" smtClean="0">
                 <a:solidFill>
-                  <a:schemeClr val="bg1"/>
-                </a:solidFill>
-                <a:latin typeface="Courier New" panose="02070309020205020404" pitchFamily="49" charset="0"/>
-                <a:cs typeface="Courier New" panose="02070309020205020404" pitchFamily="49" charset="0"/>
-              </a:rPr>
-              <a:t>$ aws s3 cp \</a:t>
-            </a:r>
-          </a:p>
-          <a:p>
+                  <a:schemeClr val="tx1"/>
+                </a:solidFill>
+                <a:latin typeface="Consolas" panose="020B0609020204030204" pitchFamily="49" charset="0"/>
+                <a:cs typeface="Arial" panose="020B0604020202020204" pitchFamily="34" charset="0"/>
+              </a:rPr>
+              <a:t>$ aws </a:t>
+            </a:r>
             <a:r>
               <a:rPr lang="en-US" altLang="ja-JP" sz="1200" smtClean="0">
                 <a:solidFill>
-                  <a:schemeClr val="bg1"/>
-                </a:solidFill>
-                <a:latin typeface="Courier New" panose="02070309020205020404" pitchFamily="49" charset="0"/>
-                <a:cs typeface="Courier New" panose="02070309020205020404" pitchFamily="49" charset="0"/>
+                  <a:schemeClr val="tx1"/>
+                </a:solidFill>
+                <a:latin typeface="Consolas" panose="020B0609020204030204" pitchFamily="49" charset="0"/>
+                <a:cs typeface="Arial" panose="020B0604020202020204" pitchFamily="34" charset="0"/>
+              </a:rPr>
+              <a:t>s3 cp \</a:t>
+            </a:r>
+          </a:p>
+          <a:p>
+            <a:r>
+              <a:rPr lang="en-US" altLang="ja-JP" sz="1200" smtClean="0">
+                <a:solidFill>
+                  <a:schemeClr val="tx1"/>
+                </a:solidFill>
+                <a:latin typeface="Consolas" panose="020B0609020204030204" pitchFamily="49" charset="0"/>
+                <a:cs typeface="Arial" panose="020B0604020202020204" pitchFamily="34" charset="0"/>
               </a:rPr>
               <a:t> </a:t>
             </a:r>
             <a:r>
               <a:rPr lang="en-US" altLang="ja-JP" sz="1200" smtClean="0">
                 <a:solidFill>
-                  <a:schemeClr val="bg1"/>
-                </a:solidFill>
-                <a:latin typeface="Courier New" panose="02070309020205020404" pitchFamily="49" charset="0"/>
-                <a:cs typeface="Courier New" panose="02070309020205020404" pitchFamily="49" charset="0"/>
-              </a:rPr>
-              <a:t>/path/to/file \</a:t>
-            </a:r>
-            <a:endParaRPr lang="en-US" altLang="ja-JP" sz="1200" smtClean="0">
-              <a:solidFill>
-                <a:schemeClr val="bg1"/>
-              </a:solidFill>
-              <a:latin typeface="Courier New" panose="02070309020205020404" pitchFamily="49" charset="0"/>
-              <a:cs typeface="Courier New" panose="02070309020205020404" pitchFamily="49" charset="0"/>
-            </a:endParaRPr>
-          </a:p>
-          <a:p>
+                  <a:schemeClr val="tx1"/>
+                </a:solidFill>
+                <a:latin typeface="Consolas" panose="020B0609020204030204" pitchFamily="49" charset="0"/>
+                <a:cs typeface="Arial" panose="020B0604020202020204" pitchFamily="34" charset="0"/>
+              </a:rPr>
+              <a:t> /</a:t>
+            </a:r>
             <a:r>
               <a:rPr lang="en-US" altLang="ja-JP" sz="1200" smtClean="0">
                 <a:solidFill>
-                  <a:schemeClr val="bg1"/>
-                </a:solidFill>
-                <a:latin typeface="Courier New" panose="02070309020205020404" pitchFamily="49" charset="0"/>
-                <a:cs typeface="Courier New" panose="02070309020205020404" pitchFamily="49" charset="0"/>
+                  <a:schemeClr val="tx1"/>
+                </a:solidFill>
+                <a:latin typeface="Consolas" panose="020B0609020204030204" pitchFamily="49" charset="0"/>
+                <a:cs typeface="Arial" panose="020B0604020202020204" pitchFamily="34" charset="0"/>
+              </a:rPr>
+              <a:t>path/to/file \</a:t>
+            </a:r>
+          </a:p>
+          <a:p>
+            <a:r>
+              <a:rPr lang="en-US" altLang="ja-JP" sz="1200" smtClean="0">
+                <a:solidFill>
+                  <a:schemeClr val="tx1"/>
+                </a:solidFill>
+                <a:latin typeface="Consolas" panose="020B0609020204030204" pitchFamily="49" charset="0"/>
+                <a:cs typeface="Arial" panose="020B0604020202020204" pitchFamily="34" charset="0"/>
+              </a:rPr>
+              <a:t> </a:t>
+            </a:r>
+            <a:r>
+              <a:rPr lang="en-US" altLang="ja-JP" sz="1200" smtClean="0">
+                <a:solidFill>
+                  <a:schemeClr val="tx1"/>
+                </a:solidFill>
+                <a:latin typeface="Consolas" panose="020B0609020204030204" pitchFamily="49" charset="0"/>
+                <a:cs typeface="Arial" panose="020B0604020202020204" pitchFamily="34" charset="0"/>
               </a:rPr>
               <a:t> s3</a:t>
             </a:r>
             <a:r>
               <a:rPr lang="en-US" altLang="ja-JP" sz="1200" smtClean="0">
                 <a:solidFill>
-                  <a:schemeClr val="bg1"/>
-                </a:solidFill>
-                <a:latin typeface="Courier New" panose="02070309020205020404" pitchFamily="49" charset="0"/>
-                <a:cs typeface="Courier New" panose="02070309020205020404" pitchFamily="49" charset="0"/>
+                  <a:schemeClr val="tx1"/>
+                </a:solidFill>
+                <a:latin typeface="Consolas" panose="020B0609020204030204" pitchFamily="49" charset="0"/>
+                <a:cs typeface="Arial" panose="020B0604020202020204" pitchFamily="34" charset="0"/>
               </a:rPr>
               <a:t>://xxx/</a:t>
             </a:r>
-            <a:endParaRPr lang="en-US" altLang="ja-JP" sz="1200" smtClean="0">
-              <a:solidFill>
-                <a:schemeClr val="bg1"/>
-              </a:solidFill>
-              <a:latin typeface="Courier New" panose="02070309020205020404" pitchFamily="49" charset="0"/>
-              <a:cs typeface="Courier New" panose="02070309020205020404" pitchFamily="49" charset="0"/>
-            </a:endParaRPr>
           </a:p>
         </p:txBody>
       </p:sp>

--- a/img/VPC構成.pptx
+++ b/img/VPC構成.pptx
@@ -5033,7 +5033,7 @@
             <a:r>
               <a:rPr lang="en-US" altLang="ja-JP" sz="1200" smtClean="0">
                 <a:solidFill>
-                  <a:schemeClr val="tx1"/>
+                  <a:srgbClr val="FF0000"/>
                 </a:solidFill>
                 <a:latin typeface="Courier New" panose="02070309020205020404" pitchFamily="49" charset="0"/>
                 <a:cs typeface="Courier New" panose="02070309020205020404" pitchFamily="49" charset="0"/>
@@ -5042,7 +5042,7 @@
             </a:r>
             <a:endParaRPr lang="en-US" altLang="ja-JP" sz="1200">
               <a:solidFill>
-                <a:schemeClr val="tx1"/>
+                <a:srgbClr val="FF0000"/>
               </a:solidFill>
               <a:latin typeface="Courier New" panose="02070309020205020404" pitchFamily="49" charset="0"/>
               <a:cs typeface="Courier New" panose="02070309020205020404" pitchFamily="49" charset="0"/>
@@ -5554,7 +5554,7 @@
           </a:prstGeom>
           <a:ln>
             <a:solidFill>
-              <a:schemeClr val="tx1"/>
+              <a:srgbClr val="FF0000"/>
             </a:solidFill>
             <a:prstDash val="solid"/>
           </a:ln>
@@ -6446,8 +6446,10 @@
                 <a:latin typeface="Consolas" panose="020B0609020204030204" pitchFamily="49" charset="0"/>
                 <a:cs typeface="Arial" panose="020B0604020202020204" pitchFamily="34" charset="0"/>
               </a:rPr>
-              <a:t>$ aws </a:t>
-            </a:r>
+              <a:t>$ aws s3 cp \</a:t>
+            </a:r>
+          </a:p>
+          <a:p>
             <a:r>
               <a:rPr lang="en-US" altLang="ja-JP" sz="1200" smtClean="0">
                 <a:solidFill>
@@ -6456,7 +6458,7 @@
                 <a:latin typeface="Consolas" panose="020B0609020204030204" pitchFamily="49" charset="0"/>
                 <a:cs typeface="Arial" panose="020B0604020202020204" pitchFamily="34" charset="0"/>
               </a:rPr>
-              <a:t>s3 cp \</a:t>
+              <a:t>  /path/to/file \</a:t>
             </a:r>
           </a:p>
           <a:p>
@@ -6468,59 +6470,7 @@
                 <a:latin typeface="Consolas" panose="020B0609020204030204" pitchFamily="49" charset="0"/>
                 <a:cs typeface="Arial" panose="020B0604020202020204" pitchFamily="34" charset="0"/>
               </a:rPr>
-              <a:t> </a:t>
-            </a:r>
-            <a:r>
-              <a:rPr lang="en-US" altLang="ja-JP" sz="1200" smtClean="0">
-                <a:solidFill>
-                  <a:schemeClr val="tx1"/>
-                </a:solidFill>
-                <a:latin typeface="Consolas" panose="020B0609020204030204" pitchFamily="49" charset="0"/>
-                <a:cs typeface="Arial" panose="020B0604020202020204" pitchFamily="34" charset="0"/>
-              </a:rPr>
-              <a:t> /</a:t>
-            </a:r>
-            <a:r>
-              <a:rPr lang="en-US" altLang="ja-JP" sz="1200" smtClean="0">
-                <a:solidFill>
-                  <a:schemeClr val="tx1"/>
-                </a:solidFill>
-                <a:latin typeface="Consolas" panose="020B0609020204030204" pitchFamily="49" charset="0"/>
-                <a:cs typeface="Arial" panose="020B0604020202020204" pitchFamily="34" charset="0"/>
-              </a:rPr>
-              <a:t>path/to/file \</a:t>
-            </a:r>
-          </a:p>
-          <a:p>
-            <a:r>
-              <a:rPr lang="en-US" altLang="ja-JP" sz="1200" smtClean="0">
-                <a:solidFill>
-                  <a:schemeClr val="tx1"/>
-                </a:solidFill>
-                <a:latin typeface="Consolas" panose="020B0609020204030204" pitchFamily="49" charset="0"/>
-                <a:cs typeface="Arial" panose="020B0604020202020204" pitchFamily="34" charset="0"/>
-              </a:rPr>
-              <a:t> </a:t>
-            </a:r>
-            <a:r>
-              <a:rPr lang="en-US" altLang="ja-JP" sz="1200" smtClean="0">
-                <a:solidFill>
-                  <a:schemeClr val="tx1"/>
-                </a:solidFill>
-                <a:latin typeface="Consolas" panose="020B0609020204030204" pitchFamily="49" charset="0"/>
-                <a:cs typeface="Arial" panose="020B0604020202020204" pitchFamily="34" charset="0"/>
-              </a:rPr>
-              <a:t> s3</a:t>
-            </a:r>
-            <a:r>
-              <a:rPr lang="en-US" altLang="ja-JP" sz="1200" smtClean="0">
-                <a:solidFill>
-                  <a:schemeClr val="tx1"/>
-                </a:solidFill>
-                <a:latin typeface="Consolas" panose="020B0609020204030204" pitchFamily="49" charset="0"/>
-                <a:cs typeface="Arial" panose="020B0604020202020204" pitchFamily="34" charset="0"/>
-              </a:rPr>
-              <a:t>://xxx/</a:t>
+              <a:t>  s3://xxx/</a:t>
             </a:r>
           </a:p>
         </p:txBody>
